--- a/docs/Projektpräsentation.pptx
+++ b/docs/Projektpräsentation.pptx
@@ -7,6 +7,14 @@
   <p:sldIdLst>
     <p:sldId id="256" r:id="rId2"/>
     <p:sldId id="257" r:id="rId3"/>
+    <p:sldId id="258" r:id="rId4"/>
+    <p:sldId id="259" r:id="rId5"/>
+    <p:sldId id="261" r:id="rId6"/>
+    <p:sldId id="260" r:id="rId7"/>
+    <p:sldId id="263" r:id="rId8"/>
+    <p:sldId id="264" r:id="rId9"/>
+    <p:sldId id="265" r:id="rId10"/>
+    <p:sldId id="262" r:id="rId11"/>
   </p:sldIdLst>
   <p:sldSz cx="12192000" cy="6858000"/>
   <p:notesSz cx="6858000" cy="9144000"/>
@@ -105,6 +113,11 @@
       </a:defRPr>
     </a:lvl9pPr>
   </p:defaultTextStyle>
+  <p:extLst>
+    <p:ext uri="{EFAFB233-063F-42B5-8137-9DF3F51BA10A}">
+      <p15:sldGuideLst xmlns:p15="http://schemas.microsoft.com/office/powerpoint/2012/main"/>
+    </p:ext>
+  </p:extLst>
 </p:presentation>
 </file>
 
@@ -334,7 +347,7 @@
           <a:p>
             <a:fld id="{4BDF68E2-58F2-4D09-BE8B-E3BD06533059}" type="datetimeFigureOut">
               <a:rPr lang="en-US" dirty="0"/>
-              <a:t>6/6/16</a:t>
+              <a:t>6/7/16</a:t>
             </a:fld>
             <a:endParaRPr lang="en-US" dirty="0"/>
           </a:p>
@@ -537,7 +550,7 @@
           <a:p>
             <a:fld id="{2E2D6473-DF6D-4702-B328-E0DD40540A4E}" type="datetimeFigureOut">
               <a:rPr lang="en-US" dirty="0"/>
-              <a:t>6/6/16</a:t>
+              <a:t>6/7/16</a:t>
             </a:fld>
             <a:endParaRPr lang="en-US" dirty="0"/>
           </a:p>
@@ -788,7 +801,7 @@
           <a:p>
             <a:fld id="{E26F7E3A-B166-407D-9866-32884E7D5B37}" type="datetimeFigureOut">
               <a:rPr lang="en-US" dirty="0"/>
-              <a:t>6/6/16</a:t>
+              <a:t>6/7/16</a:t>
             </a:fld>
             <a:endParaRPr lang="en-US" dirty="0"/>
           </a:p>
@@ -957,7 +970,7 @@
           <a:p>
             <a:fld id="{528FC5F6-F338-4AE4-BB23-26385BCFC423}" type="datetimeFigureOut">
               <a:rPr lang="en-US" dirty="0"/>
-              <a:t>6/6/16</a:t>
+              <a:t>6/7/16</a:t>
             </a:fld>
             <a:endParaRPr lang="en-US" dirty="0"/>
           </a:p>
@@ -1295,7 +1308,7 @@
           <a:p>
             <a:fld id="{20EBB0C4-6273-4C6E-B9BD-2EDC30F1CD52}" type="datetimeFigureOut">
               <a:rPr lang="en-US" dirty="0"/>
-              <a:t>6/6/16</a:t>
+              <a:t>6/7/16</a:t>
             </a:fld>
             <a:endParaRPr lang="en-US" dirty="0"/>
           </a:p>
@@ -1565,7 +1578,7 @@
           <a:p>
             <a:fld id="{19AB4D41-86C1-4908-B66A-0B50CEB3BF29}" type="datetimeFigureOut">
               <a:rPr lang="en-US" dirty="0"/>
-              <a:t>6/6/16</a:t>
+              <a:t>6/7/16</a:t>
             </a:fld>
             <a:endParaRPr lang="en-US" dirty="0"/>
           </a:p>
@@ -1939,7 +1952,7 @@
           <a:p>
             <a:fld id="{E6426E2C-56C1-4E0D-A793-0088A7FDD37E}" type="datetimeFigureOut">
               <a:rPr lang="en-US" dirty="0"/>
-              <a:t>6/6/16</a:t>
+              <a:t>6/7/16</a:t>
             </a:fld>
             <a:endParaRPr lang="en-US" dirty="0"/>
           </a:p>
@@ -2052,7 +2065,7 @@
           <a:p>
             <a:fld id="{C8C39B41-D8B5-4052-B551-9B5525EAA8B6}" type="datetimeFigureOut">
               <a:rPr lang="en-US" dirty="0"/>
-              <a:t>6/6/16</a:t>
+              <a:t>6/7/16</a:t>
             </a:fld>
             <a:endParaRPr lang="en-US" dirty="0"/>
           </a:p>
@@ -2218,7 +2231,7 @@
           <a:p>
             <a:fld id="{4D94136C-8742-45B2-AF27-D93DF72833A9}" type="datetimeFigureOut">
               <a:rPr lang="en-US" dirty="0"/>
-              <a:t>6/6/16</a:t>
+              <a:t>6/7/16</a:t>
             </a:fld>
             <a:endParaRPr lang="en-US" dirty="0"/>
           </a:p>
@@ -2568,7 +2581,7 @@
           <a:p>
             <a:fld id="{32ABBEA6-7C60-4B02-AE87-00D78D8422AF}" type="datetimeFigureOut">
               <a:rPr lang="en-US" dirty="0"/>
-              <a:t>6/6/16</a:t>
+              <a:t>6/7/16</a:t>
             </a:fld>
             <a:endParaRPr lang="en-US" dirty="0"/>
           </a:p>
@@ -2946,7 +2959,7 @@
           <a:p>
             <a:fld id="{C9CAD897-D46E-4AD2-BD9B-49DD3E640873}" type="datetimeFigureOut">
               <a:rPr lang="en-US" dirty="0"/>
-              <a:t>6/6/16</a:t>
+              <a:t>6/7/16</a:t>
             </a:fld>
             <a:endParaRPr lang="en-US" dirty="0"/>
           </a:p>
@@ -3228,7 +3241,7 @@
           <a:p>
             <a:fld id="{98624D31-43A5-475A-80CF-332C9F6DCF35}" type="datetimeFigureOut">
               <a:rPr lang="en-US" dirty="0"/>
-              <a:t>6/6/16</a:t>
+              <a:t>6/7/16</a:t>
             </a:fld>
             <a:endParaRPr lang="en-US" dirty="0"/>
           </a:p>
@@ -3812,6 +3825,59 @@
 </p:sld>
 </file>
 
+<file path=ppt/slides/slide10.xml><?xml version="1.0" encoding="utf-8"?>
+<p:sld xmlns:a="http://schemas.openxmlformats.org/drawingml/2006/main" xmlns:r="http://schemas.openxmlformats.org/officeDocument/2006/relationships" xmlns:p="http://schemas.openxmlformats.org/presentationml/2006/main">
+  <p:cSld>
+    <p:spTree>
+      <p:nvGrpSpPr>
+        <p:cNvPr id="1" name=""/>
+        <p:cNvGrpSpPr/>
+        <p:nvPr/>
+      </p:nvGrpSpPr>
+      <p:grpSpPr>
+        <a:xfrm>
+          <a:off x="0" y="0"/>
+          <a:ext cx="0" cy="0"/>
+          <a:chOff x="0" y="0"/>
+          <a:chExt cx="0" cy="0"/>
+        </a:xfrm>
+      </p:grpSpPr>
+      <p:sp>
+        <p:nvSpPr>
+          <p:cNvPr id="2" name="Titel 1"/>
+          <p:cNvSpPr>
+            <a:spLocks noGrp="1"/>
+          </p:cNvSpPr>
+          <p:nvPr>
+            <p:ph type="title"/>
+          </p:nvPr>
+        </p:nvSpPr>
+        <p:spPr/>
+        <p:txBody>
+          <a:bodyPr/>
+          <a:lstStyle/>
+          <a:p>
+            <a:r>
+              <a:rPr lang="de-DE" dirty="0" smtClean="0"/>
+              <a:t>Zeitplan</a:t>
+            </a:r>
+            <a:endParaRPr lang="de-DE" dirty="0"/>
+          </a:p>
+        </p:txBody>
+      </p:sp>
+    </p:spTree>
+    <p:extLst>
+      <p:ext uri="{BB962C8B-B14F-4D97-AF65-F5344CB8AC3E}">
+        <p14:creationId xmlns:p14="http://schemas.microsoft.com/office/powerpoint/2010/main" val="480982146"/>
+      </p:ext>
+    </p:extLst>
+  </p:cSld>
+  <p:clrMapOvr>
+    <a:masterClrMapping/>
+  </p:clrMapOvr>
+</p:sld>
+</file>
+
 <file path=ppt/slides/slide2.xml><?xml version="1.0" encoding="utf-8"?>
 <p:sld xmlns:a="http://schemas.openxmlformats.org/drawingml/2006/main" xmlns:r="http://schemas.openxmlformats.org/officeDocument/2006/relationships" xmlns:p="http://schemas.openxmlformats.org/presentationml/2006/main">
   <p:cSld>
@@ -3873,8 +3939,9 @@
             </a:pPr>
             <a:r>
               <a:rPr lang="de-DE" dirty="0" smtClean="0"/>
-              <a:t>Das Projektteam</a:t>
-            </a:r>
+              <a:t>Einleitung</a:t>
+            </a:r>
+            <a:endParaRPr lang="de-DE" dirty="0" smtClean="0"/>
           </a:p>
           <a:p>
             <a:pPr>
@@ -3883,8 +3950,9 @@
             </a:pPr>
             <a:r>
               <a:rPr lang="de-DE" dirty="0" smtClean="0"/>
-              <a:t>Ist Zustand</a:t>
-            </a:r>
+              <a:t>Variantenentscheid</a:t>
+            </a:r>
+            <a:endParaRPr lang="de-DE" dirty="0" smtClean="0"/>
           </a:p>
           <a:p>
             <a:pPr>
@@ -3893,7 +3961,7 @@
             </a:pPr>
             <a:r>
               <a:rPr lang="de-DE" dirty="0" smtClean="0"/>
-              <a:t>Soll Zustand</a:t>
+              <a:t>Realisierung</a:t>
             </a:r>
           </a:p>
           <a:p>
@@ -3903,8 +3971,9 @@
             </a:pPr>
             <a:r>
               <a:rPr lang="de-DE" dirty="0" smtClean="0"/>
-              <a:t>Realisierung</a:t>
-            </a:r>
+              <a:t>Zeitplan</a:t>
+            </a:r>
+            <a:endParaRPr lang="de-DE" dirty="0" smtClean="0"/>
           </a:p>
           <a:p>
             <a:pPr>
@@ -3912,9 +3981,20 @@
               <a:buChar char="•"/>
             </a:pPr>
             <a:r>
-              <a:rPr lang="de-DE" smtClean="0"/>
+              <a:rPr lang="de-DE" dirty="0" smtClean="0"/>
               <a:t>Fazit</a:t>
             </a:r>
+          </a:p>
+          <a:p>
+            <a:pPr>
+              <a:buFont typeface="Arial" charset="0"/>
+              <a:buChar char="•"/>
+            </a:pPr>
+            <a:r>
+              <a:rPr lang="de-DE" dirty="0" smtClean="0"/>
+              <a:t>Demo</a:t>
+            </a:r>
+            <a:endParaRPr lang="de-DE" dirty="0" smtClean="0"/>
           </a:p>
         </p:txBody>
       </p:sp>
@@ -3922,6 +4002,706 @@
     <p:extLst>
       <p:ext uri="{BB962C8B-B14F-4D97-AF65-F5344CB8AC3E}">
         <p14:creationId xmlns:p14="http://schemas.microsoft.com/office/powerpoint/2010/main" val="731073648"/>
+      </p:ext>
+    </p:extLst>
+  </p:cSld>
+  <p:clrMapOvr>
+    <a:masterClrMapping/>
+  </p:clrMapOvr>
+</p:sld>
+</file>
+
+<file path=ppt/slides/slide3.xml><?xml version="1.0" encoding="utf-8"?>
+<p:sld xmlns:a="http://schemas.openxmlformats.org/drawingml/2006/main" xmlns:r="http://schemas.openxmlformats.org/officeDocument/2006/relationships" xmlns:p="http://schemas.openxmlformats.org/presentationml/2006/main">
+  <p:cSld>
+    <p:spTree>
+      <p:nvGrpSpPr>
+        <p:cNvPr id="1" name=""/>
+        <p:cNvGrpSpPr/>
+        <p:nvPr/>
+      </p:nvGrpSpPr>
+      <p:grpSpPr>
+        <a:xfrm>
+          <a:off x="0" y="0"/>
+          <a:ext cx="0" cy="0"/>
+          <a:chOff x="0" y="0"/>
+          <a:chExt cx="0" cy="0"/>
+        </a:xfrm>
+      </p:grpSpPr>
+      <p:sp>
+        <p:nvSpPr>
+          <p:cNvPr id="2" name="Titel 1"/>
+          <p:cNvSpPr>
+            <a:spLocks noGrp="1"/>
+          </p:cNvSpPr>
+          <p:nvPr>
+            <p:ph type="title"/>
+          </p:nvPr>
+        </p:nvSpPr>
+        <p:spPr/>
+        <p:txBody>
+          <a:bodyPr/>
+          <a:lstStyle/>
+          <a:p>
+            <a:r>
+              <a:rPr lang="de-DE" dirty="0" smtClean="0"/>
+              <a:t>Projektteam</a:t>
+            </a:r>
+            <a:endParaRPr lang="de-DE" dirty="0"/>
+          </a:p>
+        </p:txBody>
+      </p:sp>
+      <p:sp>
+        <p:nvSpPr>
+          <p:cNvPr id="3" name="Inhaltsplatzhalter 2"/>
+          <p:cNvSpPr>
+            <a:spLocks noGrp="1"/>
+          </p:cNvSpPr>
+          <p:nvPr>
+            <p:ph idx="1"/>
+          </p:nvPr>
+        </p:nvSpPr>
+        <p:spPr/>
+        <p:txBody>
+          <a:bodyPr/>
+          <a:lstStyle/>
+          <a:p>
+            <a:pPr>
+              <a:buFont typeface="Arial" charset="0"/>
+              <a:buChar char="•"/>
+            </a:pPr>
+            <a:r>
+              <a:rPr lang="de-DE" dirty="0" smtClean="0"/>
+              <a:t>Projektleiter</a:t>
+            </a:r>
+          </a:p>
+          <a:p>
+            <a:pPr lvl="1">
+              <a:buFont typeface="Arial" charset="0"/>
+              <a:buChar char="•"/>
+            </a:pPr>
+            <a:r>
+              <a:rPr lang="de-DE" dirty="0" smtClean="0"/>
+              <a:t>Dominik Schütz</a:t>
+            </a:r>
+            <a:endParaRPr lang="de-DE" dirty="0"/>
+          </a:p>
+          <a:p>
+            <a:pPr>
+              <a:buFont typeface="Arial" charset="0"/>
+              <a:buChar char="•"/>
+            </a:pPr>
+            <a:r>
+              <a:rPr lang="de-DE" dirty="0" smtClean="0"/>
+              <a:t>Head </a:t>
+            </a:r>
+            <a:r>
+              <a:rPr lang="de-DE" dirty="0" err="1" smtClean="0"/>
+              <a:t>of</a:t>
+            </a:r>
+            <a:r>
+              <a:rPr lang="de-DE" dirty="0" smtClean="0"/>
+              <a:t> </a:t>
+            </a:r>
+            <a:r>
+              <a:rPr lang="de-DE" dirty="0" err="1" smtClean="0"/>
+              <a:t>Developement</a:t>
+            </a:r>
+            <a:endParaRPr lang="de-DE" dirty="0" smtClean="0"/>
+          </a:p>
+          <a:p>
+            <a:pPr lvl="1">
+              <a:buFont typeface="Arial" charset="0"/>
+              <a:buChar char="•"/>
+            </a:pPr>
+            <a:r>
+              <a:rPr lang="de-DE" dirty="0" smtClean="0"/>
+              <a:t>Raphael </a:t>
+            </a:r>
+            <a:r>
+              <a:rPr lang="de-DE" dirty="0" err="1" smtClean="0"/>
+              <a:t>Schwob</a:t>
+            </a:r>
+            <a:endParaRPr lang="de-DE" dirty="0" smtClean="0"/>
+          </a:p>
+        </p:txBody>
+      </p:sp>
+    </p:spTree>
+    <p:extLst>
+      <p:ext uri="{BB962C8B-B14F-4D97-AF65-F5344CB8AC3E}">
+        <p14:creationId xmlns:p14="http://schemas.microsoft.com/office/powerpoint/2010/main" val="1178263034"/>
+      </p:ext>
+    </p:extLst>
+  </p:cSld>
+  <p:clrMapOvr>
+    <a:masterClrMapping/>
+  </p:clrMapOvr>
+</p:sld>
+</file>
+
+<file path=ppt/slides/slide4.xml><?xml version="1.0" encoding="utf-8"?>
+<p:sld xmlns:a="http://schemas.openxmlformats.org/drawingml/2006/main" xmlns:r="http://schemas.openxmlformats.org/officeDocument/2006/relationships" xmlns:p="http://schemas.openxmlformats.org/presentationml/2006/main">
+  <p:cSld>
+    <p:spTree>
+      <p:nvGrpSpPr>
+        <p:cNvPr id="1" name=""/>
+        <p:cNvGrpSpPr/>
+        <p:nvPr/>
+      </p:nvGrpSpPr>
+      <p:grpSpPr>
+        <a:xfrm>
+          <a:off x="0" y="0"/>
+          <a:ext cx="0" cy="0"/>
+          <a:chOff x="0" y="0"/>
+          <a:chExt cx="0" cy="0"/>
+        </a:xfrm>
+      </p:grpSpPr>
+      <p:sp>
+        <p:nvSpPr>
+          <p:cNvPr id="2" name="Titel 1"/>
+          <p:cNvSpPr>
+            <a:spLocks noGrp="1"/>
+          </p:cNvSpPr>
+          <p:nvPr>
+            <p:ph type="title"/>
+          </p:nvPr>
+        </p:nvSpPr>
+        <p:spPr/>
+        <p:txBody>
+          <a:bodyPr/>
+          <a:lstStyle/>
+          <a:p>
+            <a:r>
+              <a:rPr lang="de-DE" dirty="0" smtClean="0"/>
+              <a:t>Was machen wir?</a:t>
+            </a:r>
+            <a:endParaRPr lang="de-DE" dirty="0"/>
+          </a:p>
+        </p:txBody>
+      </p:sp>
+      <p:sp>
+        <p:nvSpPr>
+          <p:cNvPr id="3" name="Inhaltsplatzhalter 2"/>
+          <p:cNvSpPr>
+            <a:spLocks noGrp="1"/>
+          </p:cNvSpPr>
+          <p:nvPr>
+            <p:ph idx="1"/>
+          </p:nvPr>
+        </p:nvSpPr>
+        <p:spPr/>
+        <p:txBody>
+          <a:bodyPr/>
+          <a:lstStyle/>
+          <a:p>
+            <a:pPr>
+              <a:buFont typeface="Arial" charset="0"/>
+              <a:buChar char="•"/>
+            </a:pPr>
+            <a:r>
+              <a:rPr lang="de-DE" dirty="0" smtClean="0"/>
+              <a:t>Endlos </a:t>
+            </a:r>
+            <a:r>
+              <a:rPr lang="de-DE" dirty="0" err="1" smtClean="0"/>
+              <a:t>Platformer</a:t>
+            </a:r>
+            <a:r>
+              <a:rPr lang="de-DE" dirty="0" smtClean="0"/>
+              <a:t> Spiel</a:t>
+            </a:r>
+          </a:p>
+          <a:p>
+            <a:pPr>
+              <a:buFont typeface="Arial" charset="0"/>
+              <a:buChar char="•"/>
+            </a:pPr>
+            <a:r>
+              <a:rPr lang="de-DE" dirty="0" smtClean="0"/>
+              <a:t>Entwickelt in Python</a:t>
+            </a:r>
+          </a:p>
+          <a:p>
+            <a:pPr>
+              <a:buFont typeface="Arial" charset="0"/>
+              <a:buChar char="•"/>
+            </a:pPr>
+            <a:r>
+              <a:rPr lang="de-DE" dirty="0" smtClean="0"/>
+              <a:t>Doodle Jump als Vorbild</a:t>
+            </a:r>
+            <a:endParaRPr lang="de-DE" dirty="0"/>
+          </a:p>
+        </p:txBody>
+      </p:sp>
+    </p:spTree>
+    <p:extLst>
+      <p:ext uri="{BB962C8B-B14F-4D97-AF65-F5344CB8AC3E}">
+        <p14:creationId xmlns:p14="http://schemas.microsoft.com/office/powerpoint/2010/main" val="1448233095"/>
+      </p:ext>
+    </p:extLst>
+  </p:cSld>
+  <p:clrMapOvr>
+    <a:masterClrMapping/>
+  </p:clrMapOvr>
+</p:sld>
+</file>
+
+<file path=ppt/slides/slide5.xml><?xml version="1.0" encoding="utf-8"?>
+<p:sld xmlns:a="http://schemas.openxmlformats.org/drawingml/2006/main" xmlns:r="http://schemas.openxmlformats.org/officeDocument/2006/relationships" xmlns:p="http://schemas.openxmlformats.org/presentationml/2006/main">
+  <p:cSld>
+    <p:spTree>
+      <p:nvGrpSpPr>
+        <p:cNvPr id="1" name=""/>
+        <p:cNvGrpSpPr/>
+        <p:nvPr/>
+      </p:nvGrpSpPr>
+      <p:grpSpPr>
+        <a:xfrm>
+          <a:off x="0" y="0"/>
+          <a:ext cx="0" cy="0"/>
+          <a:chOff x="0" y="0"/>
+          <a:chExt cx="0" cy="0"/>
+        </a:xfrm>
+      </p:grpSpPr>
+      <p:sp>
+        <p:nvSpPr>
+          <p:cNvPr id="2" name="Titel 1"/>
+          <p:cNvSpPr>
+            <a:spLocks noGrp="1"/>
+          </p:cNvSpPr>
+          <p:nvPr>
+            <p:ph type="title"/>
+          </p:nvPr>
+        </p:nvSpPr>
+        <p:spPr/>
+        <p:txBody>
+          <a:bodyPr/>
+          <a:lstStyle/>
+          <a:p>
+            <a:r>
+              <a:rPr lang="de-DE" dirty="0"/>
+              <a:t>Variantenentscheid</a:t>
+            </a:r>
+          </a:p>
+        </p:txBody>
+      </p:sp>
+      <p:sp>
+        <p:nvSpPr>
+          <p:cNvPr id="3" name="Inhaltsplatzhalter 2"/>
+          <p:cNvSpPr>
+            <a:spLocks noGrp="1"/>
+          </p:cNvSpPr>
+          <p:nvPr>
+            <p:ph idx="1"/>
+          </p:nvPr>
+        </p:nvSpPr>
+        <p:spPr/>
+        <p:txBody>
+          <a:bodyPr/>
+          <a:lstStyle/>
+          <a:p>
+            <a:pPr>
+              <a:buFont typeface="Arial" charset="0"/>
+              <a:buChar char="•"/>
+            </a:pPr>
+            <a:r>
+              <a:rPr lang="de-DE" dirty="0"/>
+              <a:t>Variante </a:t>
+            </a:r>
+            <a:r>
+              <a:rPr lang="de-DE" dirty="0" smtClean="0"/>
+              <a:t>1</a:t>
+            </a:r>
+            <a:endParaRPr lang="de-DE" dirty="0"/>
+          </a:p>
+          <a:p>
+            <a:pPr lvl="1">
+              <a:buFont typeface="Arial" charset="0"/>
+              <a:buChar char="•"/>
+            </a:pPr>
+            <a:r>
+              <a:rPr lang="de-DE" dirty="0" smtClean="0"/>
+              <a:t>Das </a:t>
+            </a:r>
+            <a:r>
+              <a:rPr lang="de-DE" dirty="0"/>
+              <a:t>Spiel wird als Webapplikation realisiert und wird </a:t>
+            </a:r>
+            <a:r>
+              <a:rPr lang="de-DE" dirty="0" err="1"/>
+              <a:t>über</a:t>
+            </a:r>
+            <a:r>
+              <a:rPr lang="de-DE" dirty="0"/>
+              <a:t> einen Browser gespielt. </a:t>
+            </a:r>
+            <a:endParaRPr lang="de-DE" dirty="0"/>
+          </a:p>
+          <a:p>
+            <a:pPr>
+              <a:buFont typeface="Arial" charset="0"/>
+              <a:buChar char="•"/>
+            </a:pPr>
+            <a:r>
+              <a:rPr lang="de-DE" dirty="0"/>
+              <a:t>Variante </a:t>
+            </a:r>
+            <a:r>
+              <a:rPr lang="de-DE" dirty="0" smtClean="0"/>
+              <a:t>2</a:t>
+            </a:r>
+            <a:endParaRPr lang="de-DE" dirty="0"/>
+          </a:p>
+          <a:p>
+            <a:pPr lvl="1">
+              <a:buFont typeface="Arial" charset="0"/>
+              <a:buChar char="•"/>
+            </a:pPr>
+            <a:r>
+              <a:rPr lang="de-DE" dirty="0" smtClean="0"/>
+              <a:t>Das </a:t>
+            </a:r>
+            <a:r>
+              <a:rPr lang="de-DE" dirty="0"/>
+              <a:t>Spiel wird mit Python realisiert. </a:t>
+            </a:r>
+            <a:endParaRPr lang="de-DE" dirty="0"/>
+          </a:p>
+          <a:p>
+            <a:pPr>
+              <a:buFont typeface="Arial" charset="0"/>
+              <a:buChar char="•"/>
+            </a:pPr>
+            <a:r>
+              <a:rPr lang="de-DE" dirty="0"/>
+              <a:t>Variante </a:t>
+            </a:r>
+            <a:r>
+              <a:rPr lang="de-DE" dirty="0" smtClean="0"/>
+              <a:t>3</a:t>
+            </a:r>
+            <a:endParaRPr lang="de-DE" dirty="0"/>
+          </a:p>
+          <a:p>
+            <a:pPr lvl="1">
+              <a:buFont typeface="Arial" charset="0"/>
+              <a:buChar char="•"/>
+            </a:pPr>
+            <a:r>
+              <a:rPr lang="de-DE" dirty="0" smtClean="0"/>
+              <a:t>Das </a:t>
+            </a:r>
+            <a:r>
+              <a:rPr lang="de-DE" dirty="0"/>
+              <a:t>Spiel wird mit Java realisiert. </a:t>
+            </a:r>
+            <a:endParaRPr lang="de-DE" dirty="0"/>
+          </a:p>
+        </p:txBody>
+      </p:sp>
+    </p:spTree>
+    <p:extLst>
+      <p:ext uri="{BB962C8B-B14F-4D97-AF65-F5344CB8AC3E}">
+        <p14:creationId xmlns:p14="http://schemas.microsoft.com/office/powerpoint/2010/main" val="506287572"/>
+      </p:ext>
+    </p:extLst>
+  </p:cSld>
+  <p:clrMapOvr>
+    <a:masterClrMapping/>
+  </p:clrMapOvr>
+</p:sld>
+</file>
+
+<file path=ppt/slides/slide6.xml><?xml version="1.0" encoding="utf-8"?>
+<p:sld xmlns:a="http://schemas.openxmlformats.org/drawingml/2006/main" xmlns:r="http://schemas.openxmlformats.org/officeDocument/2006/relationships" xmlns:p="http://schemas.openxmlformats.org/presentationml/2006/main">
+  <p:cSld>
+    <p:spTree>
+      <p:nvGrpSpPr>
+        <p:cNvPr id="1" name=""/>
+        <p:cNvGrpSpPr/>
+        <p:nvPr/>
+      </p:nvGrpSpPr>
+      <p:grpSpPr>
+        <a:xfrm>
+          <a:off x="0" y="0"/>
+          <a:ext cx="0" cy="0"/>
+          <a:chOff x="0" y="0"/>
+          <a:chExt cx="0" cy="0"/>
+        </a:xfrm>
+      </p:grpSpPr>
+      <p:sp>
+        <p:nvSpPr>
+          <p:cNvPr id="2" name="Titel 1"/>
+          <p:cNvSpPr>
+            <a:spLocks noGrp="1"/>
+          </p:cNvSpPr>
+          <p:nvPr>
+            <p:ph type="title"/>
+          </p:nvPr>
+        </p:nvSpPr>
+        <p:spPr/>
+        <p:txBody>
+          <a:bodyPr/>
+          <a:lstStyle/>
+          <a:p>
+            <a:r>
+              <a:rPr lang="de-DE" dirty="0" smtClean="0"/>
+              <a:t>Variantenbewertung</a:t>
+            </a:r>
+            <a:endParaRPr lang="de-DE" dirty="0"/>
+          </a:p>
+        </p:txBody>
+      </p:sp>
+      <p:pic>
+        <p:nvPicPr>
+          <p:cNvPr id="4" name="Bild 3"/>
+          <p:cNvPicPr>
+            <a:picLocks noChangeAspect="1"/>
+          </p:cNvPicPr>
+          <p:nvPr/>
+        </p:nvPicPr>
+        <p:blipFill>
+          <a:blip r:embed="rId2"/>
+          <a:stretch>
+            <a:fillRect/>
+          </a:stretch>
+        </p:blipFill>
+        <p:spPr>
+          <a:xfrm>
+            <a:off x="1485171" y="1950357"/>
+            <a:ext cx="9221659" cy="4334329"/>
+          </a:xfrm>
+          <a:prstGeom prst="rect">
+            <a:avLst/>
+          </a:prstGeom>
+        </p:spPr>
+      </p:pic>
+    </p:spTree>
+    <p:extLst>
+      <p:ext uri="{BB962C8B-B14F-4D97-AF65-F5344CB8AC3E}">
+        <p14:creationId xmlns:p14="http://schemas.microsoft.com/office/powerpoint/2010/main" val="11131889"/>
+      </p:ext>
+    </p:extLst>
+  </p:cSld>
+  <p:clrMapOvr>
+    <a:masterClrMapping/>
+  </p:clrMapOvr>
+</p:sld>
+</file>
+
+<file path=ppt/slides/slide7.xml><?xml version="1.0" encoding="utf-8"?>
+<p:sld xmlns:a="http://schemas.openxmlformats.org/drawingml/2006/main" xmlns:r="http://schemas.openxmlformats.org/officeDocument/2006/relationships" xmlns:p="http://schemas.openxmlformats.org/presentationml/2006/main">
+  <p:cSld>
+    <p:spTree>
+      <p:nvGrpSpPr>
+        <p:cNvPr id="1" name=""/>
+        <p:cNvGrpSpPr/>
+        <p:nvPr/>
+      </p:nvGrpSpPr>
+      <p:grpSpPr>
+        <a:xfrm>
+          <a:off x="0" y="0"/>
+          <a:ext cx="0" cy="0"/>
+          <a:chOff x="0" y="0"/>
+          <a:chExt cx="0" cy="0"/>
+        </a:xfrm>
+      </p:grpSpPr>
+      <p:sp>
+        <p:nvSpPr>
+          <p:cNvPr id="2" name="Titel 1"/>
+          <p:cNvSpPr>
+            <a:spLocks noGrp="1"/>
+          </p:cNvSpPr>
+          <p:nvPr>
+            <p:ph type="title"/>
+          </p:nvPr>
+        </p:nvSpPr>
+        <p:spPr/>
+        <p:txBody>
+          <a:bodyPr/>
+          <a:lstStyle/>
+          <a:p>
+            <a:r>
+              <a:rPr lang="de-DE" dirty="0" smtClean="0"/>
+              <a:t>Realisierung</a:t>
+            </a:r>
+            <a:endParaRPr lang="de-DE" dirty="0"/>
+          </a:p>
+        </p:txBody>
+      </p:sp>
+      <p:sp>
+        <p:nvSpPr>
+          <p:cNvPr id="3" name="Inhaltsplatzhalter 2"/>
+          <p:cNvSpPr>
+            <a:spLocks noGrp="1"/>
+          </p:cNvSpPr>
+          <p:nvPr>
+            <p:ph idx="1"/>
+          </p:nvPr>
+        </p:nvSpPr>
+        <p:spPr/>
+        <p:txBody>
+          <a:bodyPr/>
+          <a:lstStyle/>
+          <a:p>
+            <a:endParaRPr lang="de-DE"/>
+          </a:p>
+        </p:txBody>
+      </p:sp>
+    </p:spTree>
+    <p:extLst>
+      <p:ext uri="{BB962C8B-B14F-4D97-AF65-F5344CB8AC3E}">
+        <p14:creationId xmlns:p14="http://schemas.microsoft.com/office/powerpoint/2010/main" val="654508443"/>
+      </p:ext>
+    </p:extLst>
+  </p:cSld>
+  <p:clrMapOvr>
+    <a:masterClrMapping/>
+  </p:clrMapOvr>
+</p:sld>
+</file>
+
+<file path=ppt/slides/slide8.xml><?xml version="1.0" encoding="utf-8"?>
+<p:sld xmlns:a="http://schemas.openxmlformats.org/drawingml/2006/main" xmlns:r="http://schemas.openxmlformats.org/officeDocument/2006/relationships" xmlns:p="http://schemas.openxmlformats.org/presentationml/2006/main">
+  <p:cSld>
+    <p:spTree>
+      <p:nvGrpSpPr>
+        <p:cNvPr id="1" name=""/>
+        <p:cNvGrpSpPr/>
+        <p:nvPr/>
+      </p:nvGrpSpPr>
+      <p:grpSpPr>
+        <a:xfrm>
+          <a:off x="0" y="0"/>
+          <a:ext cx="0" cy="0"/>
+          <a:chOff x="0" y="0"/>
+          <a:chExt cx="0" cy="0"/>
+        </a:xfrm>
+      </p:grpSpPr>
+      <p:sp>
+        <p:nvSpPr>
+          <p:cNvPr id="2" name="Titel 1"/>
+          <p:cNvSpPr>
+            <a:spLocks noGrp="1"/>
+          </p:cNvSpPr>
+          <p:nvPr>
+            <p:ph type="title"/>
+          </p:nvPr>
+        </p:nvSpPr>
+        <p:spPr/>
+        <p:txBody>
+          <a:bodyPr/>
+          <a:lstStyle/>
+          <a:p>
+            <a:r>
+              <a:rPr lang="de-DE" dirty="0" smtClean="0"/>
+              <a:t>Systemarchitektur</a:t>
+            </a:r>
+            <a:endParaRPr lang="de-DE" dirty="0"/>
+          </a:p>
+        </p:txBody>
+      </p:sp>
+      <p:pic>
+        <p:nvPicPr>
+          <p:cNvPr id="4" name="Bild 3"/>
+          <p:cNvPicPr>
+            <a:picLocks noChangeAspect="1"/>
+          </p:cNvPicPr>
+          <p:nvPr/>
+        </p:nvPicPr>
+        <p:blipFill>
+          <a:blip r:embed="rId2"/>
+          <a:stretch>
+            <a:fillRect/>
+          </a:stretch>
+        </p:blipFill>
+        <p:spPr>
+          <a:xfrm>
+            <a:off x="1392095" y="1843314"/>
+            <a:ext cx="9407810" cy="4397829"/>
+          </a:xfrm>
+          <a:prstGeom prst="rect">
+            <a:avLst/>
+          </a:prstGeom>
+        </p:spPr>
+      </p:pic>
+    </p:spTree>
+    <p:extLst>
+      <p:ext uri="{BB962C8B-B14F-4D97-AF65-F5344CB8AC3E}">
+        <p14:creationId xmlns:p14="http://schemas.microsoft.com/office/powerpoint/2010/main" val="1728530340"/>
+      </p:ext>
+    </p:extLst>
+  </p:cSld>
+  <p:clrMapOvr>
+    <a:masterClrMapping/>
+  </p:clrMapOvr>
+</p:sld>
+</file>
+
+<file path=ppt/slides/slide9.xml><?xml version="1.0" encoding="utf-8"?>
+<p:sld xmlns:a="http://schemas.openxmlformats.org/drawingml/2006/main" xmlns:r="http://schemas.openxmlformats.org/officeDocument/2006/relationships" xmlns:p="http://schemas.openxmlformats.org/presentationml/2006/main">
+  <p:cSld>
+    <p:spTree>
+      <p:nvGrpSpPr>
+        <p:cNvPr id="1" name=""/>
+        <p:cNvGrpSpPr/>
+        <p:nvPr/>
+      </p:nvGrpSpPr>
+      <p:grpSpPr>
+        <a:xfrm>
+          <a:off x="0" y="0"/>
+          <a:ext cx="0" cy="0"/>
+          <a:chOff x="0" y="0"/>
+          <a:chExt cx="0" cy="0"/>
+        </a:xfrm>
+      </p:grpSpPr>
+      <p:sp>
+        <p:nvSpPr>
+          <p:cNvPr id="2" name="Titel 1"/>
+          <p:cNvSpPr>
+            <a:spLocks noGrp="1"/>
+          </p:cNvSpPr>
+          <p:nvPr>
+            <p:ph type="title"/>
+          </p:nvPr>
+        </p:nvSpPr>
+        <p:spPr/>
+        <p:txBody>
+          <a:bodyPr/>
+          <a:lstStyle/>
+          <a:p>
+            <a:r>
+              <a:rPr lang="de-DE" dirty="0" smtClean="0"/>
+              <a:t>Technologien</a:t>
+            </a:r>
+            <a:endParaRPr lang="de-DE" dirty="0"/>
+          </a:p>
+        </p:txBody>
+      </p:sp>
+      <p:sp>
+        <p:nvSpPr>
+          <p:cNvPr id="3" name="Inhaltsplatzhalter 2"/>
+          <p:cNvSpPr>
+            <a:spLocks noGrp="1"/>
+          </p:cNvSpPr>
+          <p:nvPr>
+            <p:ph idx="1"/>
+          </p:nvPr>
+        </p:nvSpPr>
+        <p:spPr/>
+        <p:txBody>
+          <a:bodyPr/>
+          <a:lstStyle/>
+          <a:p>
+            <a:endParaRPr lang="de-DE"/>
+          </a:p>
+        </p:txBody>
+      </p:sp>
+    </p:spTree>
+    <p:extLst>
+      <p:ext uri="{BB962C8B-B14F-4D97-AF65-F5344CB8AC3E}">
+        <p14:creationId xmlns:p14="http://schemas.microsoft.com/office/powerpoint/2010/main" val="1331733148"/>
       </p:ext>
     </p:extLst>
   </p:cSld>

--- a/docs/Projektpräsentation.pptx
+++ b/docs/Projektpräsentation.pptx
@@ -15,6 +15,7 @@
     <p:sldId id="264" r:id="rId9"/>
     <p:sldId id="265" r:id="rId10"/>
     <p:sldId id="262" r:id="rId11"/>
+    <p:sldId id="266" r:id="rId12"/>
   </p:sldIdLst>
   <p:sldSz cx="12192000" cy="6858000"/>
   <p:notesSz cx="6858000" cy="9144000"/>
@@ -347,7 +348,7 @@
           <a:p>
             <a:fld id="{4BDF68E2-58F2-4D09-BE8B-E3BD06533059}" type="datetimeFigureOut">
               <a:rPr lang="en-US" dirty="0"/>
-              <a:t>6/7/16</a:t>
+              <a:t>6/12/16</a:t>
             </a:fld>
             <a:endParaRPr lang="en-US" dirty="0"/>
           </a:p>
@@ -550,7 +551,7 @@
           <a:p>
             <a:fld id="{2E2D6473-DF6D-4702-B328-E0DD40540A4E}" type="datetimeFigureOut">
               <a:rPr lang="en-US" dirty="0"/>
-              <a:t>6/7/16</a:t>
+              <a:t>6/12/16</a:t>
             </a:fld>
             <a:endParaRPr lang="en-US" dirty="0"/>
           </a:p>
@@ -801,7 +802,7 @@
           <a:p>
             <a:fld id="{E26F7E3A-B166-407D-9866-32884E7D5B37}" type="datetimeFigureOut">
               <a:rPr lang="en-US" dirty="0"/>
-              <a:t>6/7/16</a:t>
+              <a:t>6/12/16</a:t>
             </a:fld>
             <a:endParaRPr lang="en-US" dirty="0"/>
           </a:p>
@@ -970,7 +971,7 @@
           <a:p>
             <a:fld id="{528FC5F6-F338-4AE4-BB23-26385BCFC423}" type="datetimeFigureOut">
               <a:rPr lang="en-US" dirty="0"/>
-              <a:t>6/7/16</a:t>
+              <a:t>6/12/16</a:t>
             </a:fld>
             <a:endParaRPr lang="en-US" dirty="0"/>
           </a:p>
@@ -1308,7 +1309,7 @@
           <a:p>
             <a:fld id="{20EBB0C4-6273-4C6E-B9BD-2EDC30F1CD52}" type="datetimeFigureOut">
               <a:rPr lang="en-US" dirty="0"/>
-              <a:t>6/7/16</a:t>
+              <a:t>6/12/16</a:t>
             </a:fld>
             <a:endParaRPr lang="en-US" dirty="0"/>
           </a:p>
@@ -1578,7 +1579,7 @@
           <a:p>
             <a:fld id="{19AB4D41-86C1-4908-B66A-0B50CEB3BF29}" type="datetimeFigureOut">
               <a:rPr lang="en-US" dirty="0"/>
-              <a:t>6/7/16</a:t>
+              <a:t>6/12/16</a:t>
             </a:fld>
             <a:endParaRPr lang="en-US" dirty="0"/>
           </a:p>
@@ -1952,7 +1953,7 @@
           <a:p>
             <a:fld id="{E6426E2C-56C1-4E0D-A793-0088A7FDD37E}" type="datetimeFigureOut">
               <a:rPr lang="en-US" dirty="0"/>
-              <a:t>6/7/16</a:t>
+              <a:t>6/12/16</a:t>
             </a:fld>
             <a:endParaRPr lang="en-US" dirty="0"/>
           </a:p>
@@ -2065,7 +2066,7 @@
           <a:p>
             <a:fld id="{C8C39B41-D8B5-4052-B551-9B5525EAA8B6}" type="datetimeFigureOut">
               <a:rPr lang="en-US" dirty="0"/>
-              <a:t>6/7/16</a:t>
+              <a:t>6/12/16</a:t>
             </a:fld>
             <a:endParaRPr lang="en-US" dirty="0"/>
           </a:p>
@@ -2231,7 +2232,7 @@
           <a:p>
             <a:fld id="{4D94136C-8742-45B2-AF27-D93DF72833A9}" type="datetimeFigureOut">
               <a:rPr lang="en-US" dirty="0"/>
-              <a:t>6/7/16</a:t>
+              <a:t>6/12/16</a:t>
             </a:fld>
             <a:endParaRPr lang="en-US" dirty="0"/>
           </a:p>
@@ -2581,7 +2582,7 @@
           <a:p>
             <a:fld id="{32ABBEA6-7C60-4B02-AE87-00D78D8422AF}" type="datetimeFigureOut">
               <a:rPr lang="en-US" dirty="0"/>
-              <a:t>6/7/16</a:t>
+              <a:t>6/12/16</a:t>
             </a:fld>
             <a:endParaRPr lang="en-US" dirty="0"/>
           </a:p>
@@ -2959,7 +2960,7 @@
           <a:p>
             <a:fld id="{C9CAD897-D46E-4AD2-BD9B-49DD3E640873}" type="datetimeFigureOut">
               <a:rPr lang="en-US" dirty="0"/>
-              <a:t>6/7/16</a:t>
+              <a:t>6/12/16</a:t>
             </a:fld>
             <a:endParaRPr lang="en-US" dirty="0"/>
           </a:p>
@@ -3241,7 +3242,7 @@
           <a:p>
             <a:fld id="{98624D31-43A5-475A-80CF-332C9F6DCF35}" type="datetimeFigureOut">
               <a:rPr lang="en-US" dirty="0"/>
-              <a:t>6/7/16</a:t>
+              <a:t>6/12/16</a:t>
             </a:fld>
             <a:endParaRPr lang="en-US" dirty="0"/>
           </a:p>
@@ -3865,10 +3866,202 @@
           </a:p>
         </p:txBody>
       </p:sp>
+      <p:pic>
+        <p:nvPicPr>
+          <p:cNvPr id="4" name="Bild 3"/>
+          <p:cNvPicPr>
+            <a:picLocks noChangeAspect="1"/>
+          </p:cNvPicPr>
+          <p:nvPr/>
+        </p:nvPicPr>
+        <p:blipFill>
+          <a:blip r:embed="rId2">
+            <a:extLst>
+              <a:ext uri="{28A0092B-C50C-407E-A947-70E740481C1C}">
+                <a14:useLocalDpi xmlns:a14="http://schemas.microsoft.com/office/drawing/2010/main" val="0"/>
+              </a:ext>
+            </a:extLst>
+          </a:blip>
+          <a:stretch>
+            <a:fillRect/>
+          </a:stretch>
+        </p:blipFill>
+        <p:spPr>
+          <a:xfrm>
+            <a:off x="3158114" y="1910442"/>
+            <a:ext cx="6682568" cy="4101140"/>
+          </a:xfrm>
+          <a:prstGeom prst="rect">
+            <a:avLst/>
+          </a:prstGeom>
+        </p:spPr>
+      </p:pic>
+      <p:sp>
+        <p:nvSpPr>
+          <p:cNvPr id="5" name="Textfeld 4"/>
+          <p:cNvSpPr txBox="1"/>
+          <p:nvPr/>
+        </p:nvSpPr>
+        <p:spPr>
+          <a:xfrm>
+            <a:off x="420912" y="3730179"/>
+            <a:ext cx="2728686" cy="461665"/>
+          </a:xfrm>
+          <a:prstGeom prst="rect">
+            <a:avLst/>
+          </a:prstGeom>
+          <a:noFill/>
+        </p:spPr>
+        <p:txBody>
+          <a:bodyPr wrap="square" rtlCol="0">
+            <a:spAutoFit/>
+          </a:bodyPr>
+          <a:lstStyle/>
+          <a:p>
+            <a:r>
+              <a:rPr lang="de-DE" sz="2400" dirty="0" smtClean="0"/>
+              <a:t>Realisierungsphase</a:t>
+            </a:r>
+            <a:endParaRPr lang="de-DE" dirty="0"/>
+          </a:p>
+        </p:txBody>
+      </p:sp>
+      <p:sp>
+        <p:nvSpPr>
+          <p:cNvPr id="6" name="Textfeld 5"/>
+          <p:cNvSpPr txBox="1"/>
+          <p:nvPr/>
+        </p:nvSpPr>
+        <p:spPr>
+          <a:xfrm>
+            <a:off x="9840682" y="4995919"/>
+            <a:ext cx="2351314" cy="1015663"/>
+          </a:xfrm>
+          <a:prstGeom prst="rect">
+            <a:avLst/>
+          </a:prstGeom>
+          <a:noFill/>
+        </p:spPr>
+        <p:txBody>
+          <a:bodyPr wrap="square" rtlCol="0">
+            <a:spAutoFit/>
+          </a:bodyPr>
+          <a:lstStyle/>
+          <a:p>
+            <a:r>
+              <a:rPr lang="de-DE" sz="2000" dirty="0" smtClean="0"/>
+              <a:t>Legende</a:t>
+            </a:r>
+          </a:p>
+          <a:p>
+            <a:r>
+              <a:rPr lang="de-DE" sz="2000" dirty="0" smtClean="0"/>
+              <a:t>Grau: geplant</a:t>
+            </a:r>
+          </a:p>
+          <a:p>
+            <a:r>
+              <a:rPr lang="de-DE" sz="2000" dirty="0" smtClean="0"/>
+              <a:t>Rot: effektiv</a:t>
+            </a:r>
+            <a:endParaRPr lang="de-DE" sz="2000" dirty="0"/>
+          </a:p>
+        </p:txBody>
+      </p:sp>
     </p:spTree>
     <p:extLst>
       <p:ext uri="{BB962C8B-B14F-4D97-AF65-F5344CB8AC3E}">
         <p14:creationId xmlns:p14="http://schemas.microsoft.com/office/powerpoint/2010/main" val="480982146"/>
+      </p:ext>
+    </p:extLst>
+  </p:cSld>
+  <p:clrMapOvr>
+    <a:masterClrMapping/>
+  </p:clrMapOvr>
+</p:sld>
+</file>
+
+<file path=ppt/slides/slide11.xml><?xml version="1.0" encoding="utf-8"?>
+<p:sld xmlns:a="http://schemas.openxmlformats.org/drawingml/2006/main" xmlns:r="http://schemas.openxmlformats.org/officeDocument/2006/relationships" xmlns:p="http://schemas.openxmlformats.org/presentationml/2006/main">
+  <p:cSld>
+    <p:spTree>
+      <p:nvGrpSpPr>
+        <p:cNvPr id="1" name=""/>
+        <p:cNvGrpSpPr/>
+        <p:nvPr/>
+      </p:nvGrpSpPr>
+      <p:grpSpPr>
+        <a:xfrm>
+          <a:off x="0" y="0"/>
+          <a:ext cx="0" cy="0"/>
+          <a:chOff x="0" y="0"/>
+          <a:chExt cx="0" cy="0"/>
+        </a:xfrm>
+      </p:grpSpPr>
+      <p:sp>
+        <p:nvSpPr>
+          <p:cNvPr id="2" name="Titel 1"/>
+          <p:cNvSpPr>
+            <a:spLocks noGrp="1"/>
+          </p:cNvSpPr>
+          <p:nvPr>
+            <p:ph type="title"/>
+          </p:nvPr>
+        </p:nvSpPr>
+        <p:spPr/>
+        <p:txBody>
+          <a:bodyPr/>
+          <a:lstStyle/>
+          <a:p>
+            <a:r>
+              <a:rPr lang="de-DE" dirty="0" smtClean="0"/>
+              <a:t>Fazit</a:t>
+            </a:r>
+            <a:endParaRPr lang="de-DE" dirty="0"/>
+          </a:p>
+        </p:txBody>
+      </p:sp>
+      <p:sp>
+        <p:nvSpPr>
+          <p:cNvPr id="3" name="Inhaltsplatzhalter 2"/>
+          <p:cNvSpPr>
+            <a:spLocks noGrp="1"/>
+          </p:cNvSpPr>
+          <p:nvPr>
+            <p:ph idx="1"/>
+          </p:nvPr>
+        </p:nvSpPr>
+        <p:spPr/>
+        <p:txBody>
+          <a:bodyPr/>
+          <a:lstStyle/>
+          <a:p>
+            <a:pPr>
+              <a:buFont typeface="Arial" charset="0"/>
+              <a:buChar char="•"/>
+            </a:pPr>
+            <a:r>
+              <a:rPr lang="de-DE" dirty="0" smtClean="0"/>
+              <a:t>Projekt war erfolgreich</a:t>
+            </a:r>
+          </a:p>
+          <a:p>
+            <a:pPr>
+              <a:buFont typeface="Arial" charset="0"/>
+              <a:buChar char="•"/>
+            </a:pPr>
+            <a:r>
+              <a:rPr lang="de-DE" dirty="0" smtClean="0"/>
+              <a:t>Zeitplan wurde eingehalten</a:t>
+            </a:r>
+            <a:endParaRPr lang="de-DE" dirty="0"/>
+          </a:p>
+        </p:txBody>
+      </p:sp>
+    </p:spTree>
+    <p:extLst>
+      <p:ext uri="{BB962C8B-B14F-4D97-AF65-F5344CB8AC3E}">
+        <p14:creationId xmlns:p14="http://schemas.microsoft.com/office/powerpoint/2010/main" val="1842022010"/>
       </p:ext>
     </p:extLst>
   </p:cSld>
@@ -3941,7 +4134,6 @@
               <a:rPr lang="de-DE" dirty="0" smtClean="0"/>
               <a:t>Einleitung</a:t>
             </a:r>
-            <a:endParaRPr lang="de-DE" dirty="0" smtClean="0"/>
           </a:p>
           <a:p>
             <a:pPr>
@@ -3952,7 +4144,6 @@
               <a:rPr lang="de-DE" dirty="0" smtClean="0"/>
               <a:t>Variantenentscheid</a:t>
             </a:r>
-            <a:endParaRPr lang="de-DE" dirty="0" smtClean="0"/>
           </a:p>
           <a:p>
             <a:pPr>
@@ -3973,7 +4164,6 @@
               <a:rPr lang="de-DE" dirty="0" smtClean="0"/>
               <a:t>Zeitplan</a:t>
             </a:r>
-            <a:endParaRPr lang="de-DE" dirty="0" smtClean="0"/>
           </a:p>
           <a:p>
             <a:pPr>
@@ -3994,7 +4184,6 @@
               <a:rPr lang="de-DE" dirty="0" smtClean="0"/>
               <a:t>Demo</a:t>
             </a:r>
-            <a:endParaRPr lang="de-DE" dirty="0" smtClean="0"/>
           </a:p>
         </p:txBody>
       </p:sp>
@@ -4092,22 +4281,21 @@
               <a:buChar char="•"/>
             </a:pPr>
             <a:r>
+              <a:rPr lang="de-DE" dirty="0"/>
+              <a:t>Head </a:t>
+            </a:r>
+            <a:r>
+              <a:rPr lang="de-DE" dirty="0" err="1"/>
+              <a:t>of</a:t>
+            </a:r>
+            <a:r>
+              <a:rPr lang="de-DE" dirty="0"/>
+              <a:t> </a:t>
+            </a:r>
+            <a:r>
               <a:rPr lang="de-DE" dirty="0" smtClean="0"/>
-              <a:t>Head </a:t>
-            </a:r>
-            <a:r>
-              <a:rPr lang="de-DE" dirty="0" err="1" smtClean="0"/>
-              <a:t>of</a:t>
-            </a:r>
-            <a:r>
-              <a:rPr lang="de-DE" dirty="0" smtClean="0"/>
-              <a:t> </a:t>
-            </a:r>
-            <a:r>
-              <a:rPr lang="de-DE" dirty="0" err="1" smtClean="0"/>
-              <a:t>Developement</a:t>
-            </a:r>
-            <a:endParaRPr lang="de-DE" dirty="0" smtClean="0"/>
+              <a:t>Development</a:t>
+            </a:r>
           </a:p>
           <a:p>
             <a:pPr lvl="1">
@@ -4234,6 +4422,35 @@
           </a:p>
         </p:txBody>
       </p:sp>
+      <p:pic>
+        <p:nvPicPr>
+          <p:cNvPr id="4" name="Bild 3"/>
+          <p:cNvPicPr>
+            <a:picLocks noChangeAspect="1"/>
+          </p:cNvPicPr>
+          <p:nvPr/>
+        </p:nvPicPr>
+        <p:blipFill rotWithShape="1">
+          <a:blip r:embed="rId2">
+            <a:extLst>
+              <a:ext uri="{28A0092B-C50C-407E-A947-70E740481C1C}">
+                <a14:useLocalDpi xmlns:a14="http://schemas.microsoft.com/office/drawing/2010/main" val="0"/>
+              </a:ext>
+            </a:extLst>
+          </a:blip>
+          <a:srcRect t="3534"/>
+          <a:stretch/>
+        </p:blipFill>
+        <p:spPr>
+          <a:xfrm>
+            <a:off x="7402287" y="1770998"/>
+            <a:ext cx="2989942" cy="4098096"/>
+          </a:xfrm>
+          <a:prstGeom prst="rect">
+            <a:avLst/>
+          </a:prstGeom>
+        </p:spPr>
+      </p:pic>
     </p:spTree>
     <p:extLst>
       <p:ext uri="{BB962C8B-B14F-4D97-AF65-F5344CB8AC3E}">
@@ -4329,14 +4546,13 @@
               <a:t>Spiel wird als Webapplikation realisiert und wird </a:t>
             </a:r>
             <a:r>
-              <a:rPr lang="de-DE" dirty="0" err="1"/>
-              <a:t>über</a:t>
+              <a:rPr lang="de-DE" dirty="0" smtClean="0"/>
+              <a:t>über </a:t>
             </a:r>
             <a:r>
               <a:rPr lang="de-DE" dirty="0"/>
-              <a:t> einen Browser gespielt. </a:t>
-            </a:r>
-            <a:endParaRPr lang="de-DE" dirty="0"/>
+              <a:t>einen Browser gespielt. </a:t>
+            </a:r>
           </a:p>
           <a:p>
             <a:pPr>
@@ -4366,7 +4582,6 @@
               <a:rPr lang="de-DE" dirty="0"/>
               <a:t>Spiel wird mit Python realisiert. </a:t>
             </a:r>
-            <a:endParaRPr lang="de-DE" dirty="0"/>
           </a:p>
           <a:p>
             <a:pPr>
@@ -4396,7 +4611,6 @@
               <a:rPr lang="de-DE" dirty="0"/>
               <a:t>Spiel wird mit Java realisiert. </a:t>
             </a:r>
-            <a:endParaRPr lang="de-DE" dirty="0"/>
           </a:p>
         </p:txBody>
       </p:sp>
@@ -4477,6 +4691,52 @@
           </a:prstGeom>
         </p:spPr>
       </p:pic>
+      <p:sp>
+        <p:nvSpPr>
+          <p:cNvPr id="3" name="Rechteck 2"/>
+          <p:cNvSpPr/>
+          <p:nvPr/>
+        </p:nvSpPr>
+        <p:spPr>
+          <a:xfrm>
+            <a:off x="5617029" y="1950357"/>
+            <a:ext cx="812800" cy="4334329"/>
+          </a:xfrm>
+          <a:prstGeom prst="rect">
+            <a:avLst/>
+          </a:prstGeom>
+          <a:noFill/>
+          <a:ln w="38100">
+            <a:solidFill>
+              <a:srgbClr val="FF0000"/>
+            </a:solidFill>
+          </a:ln>
+        </p:spPr>
+        <p:style>
+          <a:lnRef idx="2">
+            <a:schemeClr val="accent1">
+              <a:shade val="50000"/>
+            </a:schemeClr>
+          </a:lnRef>
+          <a:fillRef idx="1">
+            <a:schemeClr val="accent1"/>
+          </a:fillRef>
+          <a:effectRef idx="0">
+            <a:schemeClr val="accent1"/>
+          </a:effectRef>
+          <a:fontRef idx="minor">
+            <a:schemeClr val="lt1"/>
+          </a:fontRef>
+        </p:style>
+        <p:txBody>
+          <a:bodyPr rtlCol="0" anchor="ctr"/>
+          <a:lstStyle/>
+          <a:p>
+            <a:pPr algn="ctr"/>
+            <a:endParaRPr lang="de-DE"/>
+          </a:p>
+        </p:txBody>
+      </p:sp>
     </p:spTree>
     <p:extLst>
       <p:ext uri="{BB962C8B-B14F-4D97-AF65-F5344CB8AC3E}">
@@ -4545,7 +4805,25 @@
           <a:bodyPr/>
           <a:lstStyle/>
           <a:p>
-            <a:endParaRPr lang="de-DE"/>
+            <a:pPr>
+              <a:buFont typeface="Arial" charset="0"/>
+              <a:buChar char="•"/>
+            </a:pPr>
+            <a:r>
+              <a:rPr lang="de-DE" dirty="0" smtClean="0"/>
+              <a:t>Realisierungsphase um zwei Wochen verlängert</a:t>
+            </a:r>
+          </a:p>
+          <a:p>
+            <a:pPr>
+              <a:buFont typeface="Arial" charset="0"/>
+              <a:buChar char="•"/>
+            </a:pPr>
+            <a:r>
+              <a:rPr lang="de-DE" dirty="0" smtClean="0"/>
+              <a:t>Allgemein wenig Probleme</a:t>
+            </a:r>
+            <a:endParaRPr lang="de-DE" dirty="0"/>
           </a:p>
         </p:txBody>
       </p:sp>
@@ -4694,10 +4972,52 @@
           <a:bodyPr/>
           <a:lstStyle/>
           <a:p>
-            <a:endParaRPr lang="de-DE"/>
-          </a:p>
-        </p:txBody>
-      </p:sp>
+            <a:pPr>
+              <a:buFont typeface="Arial" charset="0"/>
+              <a:buChar char="•"/>
+            </a:pPr>
+            <a:r>
+              <a:rPr lang="de-DE" dirty="0" smtClean="0"/>
+              <a:t>Python 2.7</a:t>
+            </a:r>
+          </a:p>
+          <a:p>
+            <a:pPr>
+              <a:buFont typeface="Arial" charset="0"/>
+              <a:buChar char="•"/>
+            </a:pPr>
+            <a:r>
+              <a:rPr lang="de-DE" dirty="0" err="1" smtClean="0"/>
+              <a:t>Git</a:t>
+            </a:r>
+            <a:endParaRPr lang="de-DE" dirty="0"/>
+          </a:p>
+        </p:txBody>
+      </p:sp>
+      <p:pic>
+        <p:nvPicPr>
+          <p:cNvPr id="5" name="Bild 4"/>
+          <p:cNvPicPr>
+            <a:picLocks noChangeAspect="1"/>
+          </p:cNvPicPr>
+          <p:nvPr/>
+        </p:nvPicPr>
+        <p:blipFill>
+          <a:blip r:embed="rId2"/>
+          <a:stretch>
+            <a:fillRect/>
+          </a:stretch>
+        </p:blipFill>
+        <p:spPr>
+          <a:xfrm>
+            <a:off x="9240600" y="4818742"/>
+            <a:ext cx="1915080" cy="1292679"/>
+          </a:xfrm>
+          <a:prstGeom prst="rect">
+            <a:avLst/>
+          </a:prstGeom>
+        </p:spPr>
+      </p:pic>
     </p:spTree>
     <p:extLst>
       <p:ext uri="{BB962C8B-B14F-4D97-AF65-F5344CB8AC3E}">

--- a/docs/Projektpräsentation.pptx
+++ b/docs/Projektpräsentation.pptx
@@ -481,7 +481,7 @@
   <p:cSld>
     <p:spTree>
       <p:nvGrpSpPr>
-        <p:cNvPr id="154" name="Shape 154"/>
+        <p:cNvPr id="157" name="Shape 157"/>
         <p:cNvGrpSpPr/>
         <p:nvPr/>
       </p:nvGrpSpPr>
@@ -495,7 +495,7 @@
       </p:grpSpPr>
       <p:sp>
         <p:nvSpPr>
-          <p:cNvPr id="155" name="Shape 155"/>
+          <p:cNvPr id="158" name="Shape 158"/>
           <p:cNvSpPr txBox="1"/>
           <p:nvPr>
             <p:ph idx="1" type="body"/>
@@ -535,7 +535,7 @@
       </p:sp>
       <p:sp>
         <p:nvSpPr>
-          <p:cNvPr id="156" name="Shape 156"/>
+          <p:cNvPr id="159" name="Shape 159"/>
           <p:cNvSpPr/>
           <p:nvPr>
             <p:ph idx="2" type="sldImg"/>
@@ -580,7 +580,7 @@
   <p:cSld>
     <p:spTree>
       <p:nvGrpSpPr>
-        <p:cNvPr id="162" name="Shape 162"/>
+        <p:cNvPr id="165" name="Shape 165"/>
         <p:cNvGrpSpPr/>
         <p:nvPr/>
       </p:nvGrpSpPr>
@@ -594,7 +594,7 @@
       </p:grpSpPr>
       <p:sp>
         <p:nvSpPr>
-          <p:cNvPr id="163" name="Shape 163"/>
+          <p:cNvPr id="166" name="Shape 166"/>
           <p:cNvSpPr txBox="1"/>
           <p:nvPr>
             <p:ph idx="1" type="body"/>
@@ -634,7 +634,7 @@
       </p:sp>
       <p:sp>
         <p:nvSpPr>
-          <p:cNvPr id="164" name="Shape 164"/>
+          <p:cNvPr id="167" name="Shape 167"/>
           <p:cNvSpPr/>
           <p:nvPr>
             <p:ph idx="2" type="sldImg"/>
@@ -679,7 +679,7 @@
   <p:cSld>
     <p:spTree>
       <p:nvGrpSpPr>
-        <p:cNvPr id="168" name="Shape 168"/>
+        <p:cNvPr id="171" name="Shape 171"/>
         <p:cNvGrpSpPr/>
         <p:nvPr/>
       </p:nvGrpSpPr>
@@ -693,7 +693,7 @@
       </p:grpSpPr>
       <p:sp>
         <p:nvSpPr>
-          <p:cNvPr id="169" name="Shape 169"/>
+          <p:cNvPr id="172" name="Shape 172"/>
           <p:cNvSpPr/>
           <p:nvPr>
             <p:ph idx="2" type="sldImg"/>
@@ -727,7 +727,7 @@
       </p:sp>
       <p:sp>
         <p:nvSpPr>
-          <p:cNvPr id="170" name="Shape 170"/>
+          <p:cNvPr id="173" name="Shape 173"/>
           <p:cNvSpPr txBox="1"/>
           <p:nvPr>
             <p:ph idx="1" type="body"/>
@@ -12912,7 +12912,7 @@
   <p:cSld>
     <p:spTree>
       <p:nvGrpSpPr>
-        <p:cNvPr id="157" name="Shape 157"/>
+        <p:cNvPr id="160" name="Shape 160"/>
         <p:cNvGrpSpPr/>
         <p:nvPr/>
       </p:nvGrpSpPr>
@@ -12926,7 +12926,7 @@
       </p:grpSpPr>
       <p:sp>
         <p:nvSpPr>
-          <p:cNvPr id="158" name="Shape 158"/>
+          <p:cNvPr id="161" name="Shape 161"/>
           <p:cNvSpPr txBox="1"/>
           <p:nvPr>
             <p:ph type="title"/>
@@ -12982,7 +12982,7 @@
       </p:sp>
       <p:pic>
         <p:nvPicPr>
-          <p:cNvPr id="159" name="Shape 159"/>
+          <p:cNvPr id="162" name="Shape 162"/>
           <p:cNvPicPr preferRelativeResize="0"/>
           <p:nvPr/>
         </p:nvPicPr>
@@ -13009,7 +13009,7 @@
       </p:pic>
       <p:sp>
         <p:nvSpPr>
-          <p:cNvPr id="160" name="Shape 160"/>
+          <p:cNvPr id="163" name="Shape 163"/>
           <p:cNvSpPr txBox="1"/>
           <p:nvPr/>
         </p:nvSpPr>
@@ -13056,14 +13056,14 @@
       </p:sp>
       <p:sp>
         <p:nvSpPr>
-          <p:cNvPr id="161" name="Shape 161"/>
+          <p:cNvPr id="164" name="Shape 164"/>
           <p:cNvSpPr txBox="1"/>
           <p:nvPr/>
         </p:nvSpPr>
         <p:spPr>
           <a:xfrm>
-            <a:off x="9840682" y="4995919"/>
-            <a:ext cx="2351314" cy="1015662"/>
+            <a:off x="9840675" y="4995925"/>
+            <a:ext cx="2351400" cy="1161900"/>
           </a:xfrm>
           <a:prstGeom prst="rect">
             <a:avLst/>
@@ -13087,7 +13087,7 @@
               <a:buNone/>
             </a:pPr>
             <a:r>
-              <a:rPr lang="de-DE" sz="2000">
+              <a:rPr lang="de-DE" sz="2400">
                 <a:solidFill>
                   <a:schemeClr val="dk1"/>
                 </a:solidFill>
@@ -13108,7 +13108,7 @@
               <a:buNone/>
             </a:pPr>
             <a:r>
-              <a:rPr lang="de-DE" sz="2000">
+              <a:rPr lang="de-DE" sz="2400">
                 <a:solidFill>
                   <a:schemeClr val="dk1"/>
                 </a:solidFill>
@@ -13129,7 +13129,7 @@
               <a:buNone/>
             </a:pPr>
             <a:r>
-              <a:rPr lang="de-DE" sz="2000">
+              <a:rPr lang="de-DE" sz="2400">
                 <a:solidFill>
                   <a:schemeClr val="dk1"/>
                 </a:solidFill>
@@ -13156,7 +13156,7 @@
   <p:cSld>
     <p:spTree>
       <p:nvGrpSpPr>
-        <p:cNvPr id="165" name="Shape 165"/>
+        <p:cNvPr id="168" name="Shape 168"/>
         <p:cNvGrpSpPr/>
         <p:nvPr/>
       </p:nvGrpSpPr>
@@ -13170,7 +13170,7 @@
       </p:grpSpPr>
       <p:sp>
         <p:nvSpPr>
-          <p:cNvPr id="166" name="Shape 166"/>
+          <p:cNvPr id="169" name="Shape 169"/>
           <p:cNvSpPr txBox="1"/>
           <p:nvPr>
             <p:ph type="title"/>
@@ -13226,7 +13226,7 @@
       </p:sp>
       <p:sp>
         <p:nvSpPr>
-          <p:cNvPr id="167" name="Shape 167"/>
+          <p:cNvPr id="170" name="Shape 170"/>
           <p:cNvSpPr txBox="1"/>
           <p:nvPr>
             <p:ph idx="1" type="body"/>
@@ -13251,7 +13251,7 @@
           </a:bodyPr>
           <a:lstStyle/>
           <a:p>
-            <a:pPr indent="-91440" lvl="0" marL="91440" marR="0" rtl="0" algn="l">
+            <a:pPr indent="-116840" lvl="0" marL="91440" marR="0" rtl="0" algn="l">
               <a:lnSpc>
                 <a:spcPct val="90000"/>
               </a:lnSpc>
@@ -13269,7 +13269,7 @@
               <a:buChar char="•"/>
             </a:pPr>
             <a:r>
-              <a:rPr b="0" i="0" lang="de-DE" sz="2000" u="none" cap="none" strike="noStrike">
+              <a:rPr b="0" i="0" lang="de-DE" sz="2400" u="none" cap="none" strike="noStrike">
                 <a:solidFill>
                   <a:srgbClr val="3F3F3F"/>
                 </a:solidFill>
@@ -13282,7 +13282,7 @@
             </a:r>
           </a:p>
           <a:p>
-            <a:pPr indent="-91440" lvl="0" marL="91440" marR="0" rtl="0" algn="l">
+            <a:pPr indent="-116840" lvl="0" marL="91440" marR="0" rtl="0" algn="l">
               <a:lnSpc>
                 <a:spcPct val="90000"/>
               </a:lnSpc>
@@ -13300,7 +13300,7 @@
               <a:buChar char="•"/>
             </a:pPr>
             <a:r>
-              <a:rPr b="0" i="0" lang="de-DE" sz="2000" u="none" cap="none" strike="noStrike">
+              <a:rPr b="0" i="0" lang="de-DE" sz="2400" u="none" cap="none" strike="noStrike">
                 <a:solidFill>
                   <a:srgbClr val="3F3F3F"/>
                 </a:solidFill>
@@ -13327,7 +13327,7 @@
   <p:cSld>
     <p:spTree>
       <p:nvGrpSpPr>
-        <p:cNvPr id="171" name="Shape 171"/>
+        <p:cNvPr id="174" name="Shape 174"/>
         <p:cNvGrpSpPr/>
         <p:nvPr/>
       </p:nvGrpSpPr>
@@ -13341,7 +13341,7 @@
       </p:grpSpPr>
       <p:sp>
         <p:nvSpPr>
-          <p:cNvPr id="172" name="Shape 172"/>
+          <p:cNvPr id="175" name="Shape 175"/>
           <p:cNvSpPr txBox="1"/>
           <p:nvPr>
             <p:ph type="ctrTitle"/>
@@ -13377,7 +13377,7 @@
       </p:sp>
       <p:pic>
         <p:nvPicPr>
-          <p:cNvPr id="173" name="Shape 173"/>
+          <p:cNvPr id="176" name="Shape 176"/>
           <p:cNvPicPr preferRelativeResize="0"/>
           <p:nvPr/>
         </p:nvPicPr>
@@ -13511,7 +13511,7 @@
           </a:bodyPr>
           <a:lstStyle/>
           <a:p>
-            <a:pPr indent="-91440" lvl="0" marL="91440" marR="0" rtl="0" algn="l">
+            <a:pPr indent="-116840" lvl="0" marL="91440" marR="0" rtl="0" algn="l">
               <a:lnSpc>
                 <a:spcPct val="90000"/>
               </a:lnSpc>
@@ -13529,7 +13529,7 @@
               <a:buChar char="•"/>
             </a:pPr>
             <a:r>
-              <a:rPr b="0" i="0" lang="de-DE" sz="2000" u="none" cap="none" strike="noStrike">
+              <a:rPr b="0" i="0" lang="de-DE" sz="2400" u="none" cap="none" strike="noStrike">
                 <a:solidFill>
                   <a:srgbClr val="3F3F3F"/>
                 </a:solidFill>
@@ -13542,7 +13542,7 @@
             </a:r>
           </a:p>
           <a:p>
-            <a:pPr indent="-91440" lvl="0" marL="91440" marR="0" rtl="0" algn="l">
+            <a:pPr indent="-116840" lvl="0" marL="91440" marR="0" rtl="0" algn="l">
               <a:lnSpc>
                 <a:spcPct val="90000"/>
               </a:lnSpc>
@@ -13560,7 +13560,7 @@
               <a:buChar char="•"/>
             </a:pPr>
             <a:r>
-              <a:rPr b="0" i="0" lang="de-DE" sz="2000" u="none" cap="none" strike="noStrike">
+              <a:rPr b="0" i="0" lang="de-DE" sz="2400" u="none" cap="none" strike="noStrike">
                 <a:solidFill>
                   <a:srgbClr val="3F3F3F"/>
                 </a:solidFill>
@@ -13573,7 +13573,7 @@
             </a:r>
           </a:p>
           <a:p>
-            <a:pPr indent="-91440" lvl="0" marL="91440" marR="0" rtl="0" algn="l">
+            <a:pPr indent="-116840" lvl="0" marL="91440" marR="0" rtl="0" algn="l">
               <a:lnSpc>
                 <a:spcPct val="90000"/>
               </a:lnSpc>
@@ -13591,7 +13591,7 @@
               <a:buChar char="•"/>
             </a:pPr>
             <a:r>
-              <a:rPr b="0" i="0" lang="de-DE" sz="2000" u="none" cap="none" strike="noStrike">
+              <a:rPr b="0" i="0" lang="de-DE" sz="2400" u="none" cap="none" strike="noStrike">
                 <a:solidFill>
                   <a:srgbClr val="3F3F3F"/>
                 </a:solidFill>
@@ -13604,7 +13604,7 @@
             </a:r>
           </a:p>
           <a:p>
-            <a:pPr indent="-91440" lvl="0" marL="91440" marR="0" rtl="0" algn="l">
+            <a:pPr indent="-116840" lvl="0" marL="91440" marR="0" rtl="0" algn="l">
               <a:lnSpc>
                 <a:spcPct val="90000"/>
               </a:lnSpc>
@@ -13622,7 +13622,7 @@
               <a:buChar char="•"/>
             </a:pPr>
             <a:r>
-              <a:rPr b="0" i="0" lang="de-DE" sz="2000" u="none" cap="none" strike="noStrike">
+              <a:rPr b="0" i="0" lang="de-DE" sz="2400" u="none" cap="none" strike="noStrike">
                 <a:solidFill>
                   <a:srgbClr val="3F3F3F"/>
                 </a:solidFill>
@@ -13635,7 +13635,7 @@
             </a:r>
           </a:p>
           <a:p>
-            <a:pPr indent="-91440" lvl="0" marL="91440" marR="0" rtl="0" algn="l">
+            <a:pPr indent="-116840" lvl="0" marL="91440" marR="0" rtl="0" algn="l">
               <a:lnSpc>
                 <a:spcPct val="90000"/>
               </a:lnSpc>
@@ -13653,7 +13653,7 @@
               <a:buChar char="•"/>
             </a:pPr>
             <a:r>
-              <a:rPr b="0" i="0" lang="de-DE" sz="2000" u="none" cap="none" strike="noStrike">
+              <a:rPr b="0" i="0" lang="de-DE" sz="2400" u="none" cap="none" strike="noStrike">
                 <a:solidFill>
                   <a:srgbClr val="3F3F3F"/>
                 </a:solidFill>
@@ -13666,7 +13666,7 @@
             </a:r>
           </a:p>
           <a:p>
-            <a:pPr indent="-91440" lvl="0" marL="91440" marR="0" rtl="0" algn="l">
+            <a:pPr indent="-116840" lvl="0" marL="91440" marR="0" rtl="0" algn="l">
               <a:lnSpc>
                 <a:spcPct val="90000"/>
               </a:lnSpc>
@@ -13684,7 +13684,7 @@
               <a:buChar char="•"/>
             </a:pPr>
             <a:r>
-              <a:rPr b="0" i="0" lang="de-DE" sz="2000" u="none" cap="none" strike="noStrike">
+              <a:rPr b="0" i="0" lang="de-DE" sz="2400" u="none" cap="none" strike="noStrike">
                 <a:solidFill>
                   <a:srgbClr val="3F3F3F"/>
                 </a:solidFill>
@@ -13806,12 +13806,43 @@
           </a:bodyPr>
           <a:lstStyle/>
           <a:p>
-            <a:pPr indent="-91440" lvl="0" marL="91440" marR="0" rtl="0" algn="l">
-              <a:lnSpc>
-                <a:spcPct val="90000"/>
-              </a:lnSpc>
-              <a:spcBef>
-                <a:spcPts val="0"/>
+            <a:pPr indent="-116840" lvl="0" marL="91440" marR="0" rtl="0" algn="l">
+              <a:lnSpc>
+                <a:spcPct val="90000"/>
+              </a:lnSpc>
+              <a:spcBef>
+                <a:spcPts val="0"/>
+              </a:spcBef>
+              <a:spcAft>
+                <a:spcPts val="0"/>
+              </a:spcAft>
+              <a:buClr>
+                <a:schemeClr val="accent1"/>
+              </a:buClr>
+              <a:buSzPct val="100000"/>
+              <a:buFont typeface="Arial"/>
+              <a:buChar char="•"/>
+            </a:pPr>
+            <a:r>
+              <a:rPr b="0" i="0" lang="de-DE" sz="2400" u="none" cap="none" strike="noStrike">
+                <a:solidFill>
+                  <a:srgbClr val="3F3F3F"/>
+                </a:solidFill>
+                <a:latin typeface="Calibri"/>
+                <a:ea typeface="Calibri"/>
+                <a:cs typeface="Calibri"/>
+                <a:sym typeface="Calibri"/>
+              </a:rPr>
+              <a:t>Projektleiter</a:t>
+            </a:r>
+          </a:p>
+          <a:p>
+            <a:pPr indent="-206248" lvl="1" marL="384048" marR="0" rtl="0" algn="l">
+              <a:lnSpc>
+                <a:spcPct val="90000"/>
+              </a:lnSpc>
+              <a:spcBef>
+                <a:spcPts val="400"/>
               </a:spcBef>
               <a:spcAft>
                 <a:spcPts val="0"/>
@@ -13833,16 +13864,16 @@
                 <a:cs typeface="Calibri"/>
                 <a:sym typeface="Calibri"/>
               </a:rPr>
-              <a:t>Projektleiter</a:t>
+              <a:t>Dominik Schütz</a:t>
             </a:r>
           </a:p>
           <a:p>
-            <a:pPr indent="-193548" lvl="1" marL="384048" marR="0" rtl="0" algn="l">
-              <a:lnSpc>
-                <a:spcPct val="90000"/>
-              </a:lnSpc>
-              <a:spcBef>
-                <a:spcPts val="400"/>
+            <a:pPr indent="-116840" lvl="0" marL="91440" marR="0" rtl="0" algn="l">
+              <a:lnSpc>
+                <a:spcPct val="90000"/>
+              </a:lnSpc>
+              <a:spcBef>
+                <a:spcPts val="1600"/>
               </a:spcBef>
               <a:spcAft>
                 <a:spcPts val="0"/>
@@ -13855,7 +13886,7 @@
               <a:buChar char="•"/>
             </a:pPr>
             <a:r>
-              <a:rPr b="0" i="0" lang="de-DE" sz="1800" u="none" cap="none" strike="noStrike">
+              <a:rPr b="0" i="0" lang="de-DE" sz="2400" u="none" cap="none" strike="noStrike">
                 <a:solidFill>
                   <a:srgbClr val="3F3F3F"/>
                 </a:solidFill>
@@ -13864,16 +13895,16 @@
                 <a:cs typeface="Calibri"/>
                 <a:sym typeface="Calibri"/>
               </a:rPr>
-              <a:t>Dominik Schütz</a:t>
+              <a:t>Head of Development</a:t>
             </a:r>
           </a:p>
           <a:p>
-            <a:pPr indent="-91440" lvl="0" marL="91440" marR="0" rtl="0" algn="l">
-              <a:lnSpc>
-                <a:spcPct val="90000"/>
-              </a:lnSpc>
-              <a:spcBef>
-                <a:spcPts val="1600"/>
+            <a:pPr indent="-206248" lvl="1" marL="384048" marR="0" rtl="0" algn="l">
+              <a:lnSpc>
+                <a:spcPct val="90000"/>
+              </a:lnSpc>
+              <a:spcBef>
+                <a:spcPts val="400"/>
               </a:spcBef>
               <a:spcAft>
                 <a:spcPts val="0"/>
@@ -13887,37 +13918,6 @@
             </a:pPr>
             <a:r>
               <a:rPr b="0" i="0" lang="de-DE" sz="2000" u="none" cap="none" strike="noStrike">
-                <a:solidFill>
-                  <a:srgbClr val="3F3F3F"/>
-                </a:solidFill>
-                <a:latin typeface="Calibri"/>
-                <a:ea typeface="Calibri"/>
-                <a:cs typeface="Calibri"/>
-                <a:sym typeface="Calibri"/>
-              </a:rPr>
-              <a:t>Head of Development</a:t>
-            </a:r>
-          </a:p>
-          <a:p>
-            <a:pPr indent="-193548" lvl="1" marL="384048" marR="0" rtl="0" algn="l">
-              <a:lnSpc>
-                <a:spcPct val="90000"/>
-              </a:lnSpc>
-              <a:spcBef>
-                <a:spcPts val="400"/>
-              </a:spcBef>
-              <a:spcAft>
-                <a:spcPts val="0"/>
-              </a:spcAft>
-              <a:buClr>
-                <a:schemeClr val="accent1"/>
-              </a:buClr>
-              <a:buSzPct val="100000"/>
-              <a:buFont typeface="Arial"/>
-              <a:buChar char="•"/>
-            </a:pPr>
-            <a:r>
-              <a:rPr b="0" i="0" lang="de-DE" sz="1800" u="none" cap="none" strike="noStrike">
                 <a:solidFill>
                   <a:srgbClr val="3F3F3F"/>
                 </a:solidFill>
@@ -14039,7 +14039,7 @@
           </a:bodyPr>
           <a:lstStyle/>
           <a:p>
-            <a:pPr indent="-91440" lvl="0" marL="91440" marR="0" rtl="0" algn="l">
+            <a:pPr indent="-116840" lvl="0" marL="91440" marR="0" rtl="0" algn="l">
               <a:lnSpc>
                 <a:spcPct val="90000"/>
               </a:lnSpc>
@@ -14057,7 +14057,7 @@
               <a:buChar char="•"/>
             </a:pPr>
             <a:r>
-              <a:rPr b="0" i="0" lang="de-DE" sz="2000" u="none" cap="none" strike="noStrike">
+              <a:rPr b="0" i="0" lang="de-DE" sz="2400" u="none" cap="none" strike="noStrike">
                 <a:solidFill>
                   <a:srgbClr val="3F3F3F"/>
                 </a:solidFill>
@@ -14070,7 +14070,7 @@
             </a:r>
           </a:p>
           <a:p>
-            <a:pPr indent="-91440" lvl="0" marL="91440" marR="0" rtl="0" algn="l">
+            <a:pPr indent="-116840" lvl="0" marL="91440" marR="0" rtl="0" algn="l">
               <a:lnSpc>
                 <a:spcPct val="90000"/>
               </a:lnSpc>
@@ -14088,7 +14088,7 @@
               <a:buChar char="•"/>
             </a:pPr>
             <a:r>
-              <a:rPr b="0" i="0" lang="de-DE" sz="2000" u="none" cap="none" strike="noStrike">
+              <a:rPr b="0" i="0" lang="de-DE" sz="2400" u="none" cap="none" strike="noStrike">
                 <a:solidFill>
                   <a:srgbClr val="3F3F3F"/>
                 </a:solidFill>
@@ -14101,7 +14101,7 @@
             </a:r>
           </a:p>
           <a:p>
-            <a:pPr indent="-91440" lvl="0" marL="91440" marR="0" rtl="0" algn="l">
+            <a:pPr indent="-116840" lvl="0" marL="91440" marR="0" rtl="0" algn="l">
               <a:lnSpc>
                 <a:spcPct val="90000"/>
               </a:lnSpc>
@@ -14119,7 +14119,7 @@
               <a:buChar char="•"/>
             </a:pPr>
             <a:r>
-              <a:rPr b="0" i="0" lang="de-DE" sz="2000" u="none" cap="none" strike="noStrike">
+              <a:rPr b="0" i="0" lang="de-DE" sz="2400" u="none" cap="none" strike="noStrike">
                 <a:solidFill>
                   <a:srgbClr val="3F3F3F"/>
                 </a:solidFill>
@@ -14148,8 +14148,8 @@
         </p:blipFill>
         <p:spPr>
           <a:xfrm>
-            <a:off x="7402286" y="1770998"/>
-            <a:ext cx="2989942" cy="4098096"/>
+            <a:off x="7080774" y="1771000"/>
+            <a:ext cx="3311400" cy="4538700"/>
           </a:xfrm>
           <a:prstGeom prst="rect">
             <a:avLst/>
@@ -14268,7 +14268,7 @@
           </a:bodyPr>
           <a:lstStyle/>
           <a:p>
-            <a:pPr indent="-91440" lvl="0" marL="91440" marR="0" rtl="0" algn="l">
+            <a:pPr indent="-116840" lvl="0" marL="91440" marR="0" rtl="0" algn="l">
               <a:lnSpc>
                 <a:spcPct val="90000"/>
               </a:lnSpc>
@@ -14286,7 +14286,7 @@
               <a:buChar char="•"/>
             </a:pPr>
             <a:r>
-              <a:rPr b="0" i="0" lang="de-DE" sz="2000" u="none" cap="none" strike="noStrike">
+              <a:rPr b="0" i="0" lang="de-DE" sz="2400" u="none" cap="none" strike="noStrike">
                 <a:solidFill>
                   <a:srgbClr val="3F3F3F"/>
                 </a:solidFill>
@@ -14312,43 +14312,55 @@
               <a:buClr>
                 <a:schemeClr val="accent1"/>
               </a:buClr>
+              <a:buSzPct val="90000"/>
+              <a:buFont typeface="Arial"/>
+              <a:buChar char="•"/>
+            </a:pPr>
+            <a:r>
+              <a:rPr b="0" i="0" lang="de-DE" sz="2000" u="none" cap="none" strike="noStrike">
+                <a:solidFill>
+                  <a:srgbClr val="3F3F3F"/>
+                </a:solidFill>
+                <a:latin typeface="Calibri"/>
+                <a:ea typeface="Calibri"/>
+                <a:cs typeface="Calibri"/>
+                <a:sym typeface="Calibri"/>
+              </a:rPr>
+              <a:t>Das Spiel wird als Webapplikation realisiert und wird über einen Browser gespielt.</a:t>
+            </a:r>
+            <a:r>
+              <a:rPr b="0" i="0" lang="de-DE" sz="1800" u="none" cap="none" strike="noStrike">
+                <a:solidFill>
+                  <a:srgbClr val="3F3F3F"/>
+                </a:solidFill>
+                <a:latin typeface="Calibri"/>
+                <a:ea typeface="Calibri"/>
+                <a:cs typeface="Calibri"/>
+                <a:sym typeface="Calibri"/>
+              </a:rPr>
+              <a:t> </a:t>
+            </a:r>
+          </a:p>
+          <a:p>
+            <a:pPr indent="-116840" lvl="0" marL="91440" marR="0" rtl="0" algn="l">
+              <a:lnSpc>
+                <a:spcPct val="90000"/>
+              </a:lnSpc>
+              <a:spcBef>
+                <a:spcPts val="1600"/>
+              </a:spcBef>
+              <a:spcAft>
+                <a:spcPts val="0"/>
+              </a:spcAft>
+              <a:buClr>
+                <a:schemeClr val="accent1"/>
+              </a:buClr>
               <a:buSzPct val="100000"/>
               <a:buFont typeface="Arial"/>
               <a:buChar char="•"/>
             </a:pPr>
             <a:r>
-              <a:rPr b="0" i="0" lang="de-DE" sz="1800" u="none" cap="none" strike="noStrike">
-                <a:solidFill>
-                  <a:srgbClr val="3F3F3F"/>
-                </a:solidFill>
-                <a:latin typeface="Calibri"/>
-                <a:ea typeface="Calibri"/>
-                <a:cs typeface="Calibri"/>
-                <a:sym typeface="Calibri"/>
-              </a:rPr>
-              <a:t>Das Spiel wird als Webapplikation realisiert und wird über einen Browser gespielt. </a:t>
-            </a:r>
-          </a:p>
-          <a:p>
-            <a:pPr indent="-91440" lvl="0" marL="91440" marR="0" rtl="0" algn="l">
-              <a:lnSpc>
-                <a:spcPct val="90000"/>
-              </a:lnSpc>
-              <a:spcBef>
-                <a:spcPts val="1600"/>
-              </a:spcBef>
-              <a:spcAft>
-                <a:spcPts val="0"/>
-              </a:spcAft>
-              <a:buClr>
-                <a:schemeClr val="accent1"/>
-              </a:buClr>
-              <a:buSzPct val="100000"/>
-              <a:buFont typeface="Arial"/>
-              <a:buChar char="•"/>
-            </a:pPr>
-            <a:r>
-              <a:rPr b="0" i="0" lang="de-DE" sz="2000" u="none" cap="none" strike="noStrike">
+              <a:rPr b="0" i="0" lang="de-DE" sz="2400" u="none" cap="none" strike="noStrike">
                 <a:solidFill>
                   <a:srgbClr val="3F3F3F"/>
                 </a:solidFill>
@@ -14374,43 +14386,55 @@
               <a:buClr>
                 <a:schemeClr val="accent1"/>
               </a:buClr>
+              <a:buSzPct val="90000"/>
+              <a:buFont typeface="Arial"/>
+              <a:buChar char="•"/>
+            </a:pPr>
+            <a:r>
+              <a:rPr b="0" i="0" lang="de-DE" sz="2000" u="none" cap="none" strike="noStrike">
+                <a:solidFill>
+                  <a:srgbClr val="3F3F3F"/>
+                </a:solidFill>
+                <a:latin typeface="Calibri"/>
+                <a:ea typeface="Calibri"/>
+                <a:cs typeface="Calibri"/>
+                <a:sym typeface="Calibri"/>
+              </a:rPr>
+              <a:t>Das Spiel wird mit Python realisiert.</a:t>
+            </a:r>
+            <a:r>
+              <a:rPr b="0" i="0" lang="de-DE" sz="1800" u="none" cap="none" strike="noStrike">
+                <a:solidFill>
+                  <a:srgbClr val="3F3F3F"/>
+                </a:solidFill>
+                <a:latin typeface="Calibri"/>
+                <a:ea typeface="Calibri"/>
+                <a:cs typeface="Calibri"/>
+                <a:sym typeface="Calibri"/>
+              </a:rPr>
+              <a:t> </a:t>
+            </a:r>
+          </a:p>
+          <a:p>
+            <a:pPr indent="-116840" lvl="0" marL="91440" marR="0" rtl="0" algn="l">
+              <a:lnSpc>
+                <a:spcPct val="90000"/>
+              </a:lnSpc>
+              <a:spcBef>
+                <a:spcPts val="1600"/>
+              </a:spcBef>
+              <a:spcAft>
+                <a:spcPts val="0"/>
+              </a:spcAft>
+              <a:buClr>
+                <a:schemeClr val="accent1"/>
+              </a:buClr>
               <a:buSzPct val="100000"/>
               <a:buFont typeface="Arial"/>
               <a:buChar char="•"/>
             </a:pPr>
             <a:r>
-              <a:rPr b="0" i="0" lang="de-DE" sz="1800" u="none" cap="none" strike="noStrike">
-                <a:solidFill>
-                  <a:srgbClr val="3F3F3F"/>
-                </a:solidFill>
-                <a:latin typeface="Calibri"/>
-                <a:ea typeface="Calibri"/>
-                <a:cs typeface="Calibri"/>
-                <a:sym typeface="Calibri"/>
-              </a:rPr>
-              <a:t>Das Spiel wird mit Python realisiert. </a:t>
-            </a:r>
-          </a:p>
-          <a:p>
-            <a:pPr indent="-91440" lvl="0" marL="91440" marR="0" rtl="0" algn="l">
-              <a:lnSpc>
-                <a:spcPct val="90000"/>
-              </a:lnSpc>
-              <a:spcBef>
-                <a:spcPts val="1600"/>
-              </a:spcBef>
-              <a:spcAft>
-                <a:spcPts val="0"/>
-              </a:spcAft>
-              <a:buClr>
-                <a:schemeClr val="accent1"/>
-              </a:buClr>
-              <a:buSzPct val="100000"/>
-              <a:buFont typeface="Arial"/>
-              <a:buChar char="•"/>
-            </a:pPr>
-            <a:r>
-              <a:rPr b="0" i="0" lang="de-DE" sz="2000" u="none" cap="none" strike="noStrike">
+              <a:rPr b="0" i="0" lang="de-DE" sz="2400" u="none" cap="none" strike="noStrike">
                 <a:solidFill>
                   <a:srgbClr val="3F3F3F"/>
                 </a:solidFill>
@@ -14436,11 +14460,23 @@
               <a:buClr>
                 <a:schemeClr val="accent1"/>
               </a:buClr>
-              <a:buSzPct val="100000"/>
+              <a:buSzPct val="90000"/>
               <a:buFont typeface="Arial"/>
               <a:buChar char="•"/>
             </a:pPr>
             <a:r>
+              <a:rPr b="0" i="0" lang="de-DE" sz="2000" u="none" cap="none" strike="noStrike">
+                <a:solidFill>
+                  <a:srgbClr val="3F3F3F"/>
+                </a:solidFill>
+                <a:latin typeface="Calibri"/>
+                <a:ea typeface="Calibri"/>
+                <a:cs typeface="Calibri"/>
+                <a:sym typeface="Calibri"/>
+              </a:rPr>
+              <a:t>Das Spiel wird mit Java realisiert.</a:t>
+            </a:r>
+            <a:r>
               <a:rPr b="0" i="0" lang="de-DE" sz="1800" u="none" cap="none" strike="noStrike">
                 <a:solidFill>
                   <a:srgbClr val="3F3F3F"/>
@@ -14450,7 +14486,7 @@
                 <a:cs typeface="Calibri"/>
                 <a:sym typeface="Calibri"/>
               </a:rPr>
-              <a:t>Das Spiel wird mit Java realisiert. </a:t>
+              <a:t> </a:t>
             </a:r>
           </a:p>
         </p:txBody>
@@ -14551,8 +14587,8 @@
         </p:blipFill>
         <p:spPr>
           <a:xfrm>
-            <a:off x="1485170" y="1950357"/>
-            <a:ext cx="9221659" cy="4334328"/>
+            <a:off x="1258650" y="1737349"/>
+            <a:ext cx="9674700" cy="4547400"/>
           </a:xfrm>
           <a:prstGeom prst="rect">
             <a:avLst/>
@@ -14571,8 +14607,8 @@
         </p:nvSpPr>
         <p:spPr>
           <a:xfrm>
-            <a:off x="5617028" y="1950357"/>
-            <a:ext cx="812799" cy="4334328"/>
+            <a:off x="5617025" y="1737274"/>
+            <a:ext cx="812700" cy="4547400"/>
           </a:xfrm>
           <a:prstGeom prst="rect">
             <a:avLst/>
@@ -14723,7 +14759,7 @@
           </a:bodyPr>
           <a:lstStyle/>
           <a:p>
-            <a:pPr indent="-91440" lvl="0" marL="91440" marR="0" rtl="0" algn="l">
+            <a:pPr indent="-116840" lvl="0" marL="91440" marR="0" rtl="0" algn="l">
               <a:lnSpc>
                 <a:spcPct val="90000"/>
               </a:lnSpc>
@@ -14741,7 +14777,7 @@
               <a:buChar char="•"/>
             </a:pPr>
             <a:r>
-              <a:rPr b="0" i="0" lang="de-DE" sz="2000" u="none" cap="none" strike="noStrike">
+              <a:rPr b="0" i="0" lang="de-DE" sz="2400" u="none" cap="none" strike="noStrike">
                 <a:solidFill>
                   <a:srgbClr val="3F3F3F"/>
                 </a:solidFill>
@@ -14754,7 +14790,7 @@
             </a:r>
           </a:p>
           <a:p>
-            <a:pPr indent="-91440" lvl="0" marL="91440" marR="0" rtl="0" algn="l">
+            <a:pPr indent="-116840" lvl="0" marL="91440" marR="0" rtl="0" algn="l">
               <a:lnSpc>
                 <a:spcPct val="90000"/>
               </a:lnSpc>
@@ -14772,7 +14808,7 @@
               <a:buChar char="•"/>
             </a:pPr>
             <a:r>
-              <a:rPr b="0" i="0" lang="de-DE" sz="2000" u="none" cap="none" strike="noStrike">
+              <a:rPr b="0" i="0" lang="de-DE" sz="2400" u="none" cap="none" strike="noStrike">
                 <a:solidFill>
                   <a:srgbClr val="3F3F3F"/>
                 </a:solidFill>
@@ -14783,6 +14819,78 @@
               </a:rPr>
               <a:t>Allgemein wenig Probleme</a:t>
             </a:r>
+          </a:p>
+          <a:p>
+            <a:pPr indent="0" lvl="0" marL="0" marR="0" rtl="0" algn="l">
+              <a:lnSpc>
+                <a:spcPct val="90000"/>
+              </a:lnSpc>
+              <a:spcBef>
+                <a:spcPts val="1400"/>
+              </a:spcBef>
+              <a:spcAft>
+                <a:spcPts val="0"/>
+              </a:spcAft>
+              <a:buNone/>
+            </a:pPr>
+            <a:r>
+              <a:t/>
+            </a:r>
+            <a:endParaRPr sz="2400"/>
+          </a:p>
+          <a:p>
+            <a:pPr indent="-381000" lvl="0" marL="457200" marR="0" rtl="0" algn="l">
+              <a:lnSpc>
+                <a:spcPct val="90000"/>
+              </a:lnSpc>
+              <a:spcBef>
+                <a:spcPts val="1400"/>
+              </a:spcBef>
+              <a:spcAft>
+                <a:spcPts val="0"/>
+              </a:spcAft>
+              <a:buSzPct val="100000"/>
+            </a:pPr>
+            <a:r>
+              <a:rPr lang="de-DE" sz="2400"/>
+              <a:t>Effizient dank Erfahrung mit Python (tkinter &amp; PIL)</a:t>
+            </a:r>
+          </a:p>
+          <a:p>
+            <a:pPr indent="-381000" lvl="0" marL="457200" marR="0" rtl="0" algn="l">
+              <a:lnSpc>
+                <a:spcPct val="90000"/>
+              </a:lnSpc>
+              <a:spcBef>
+                <a:spcPts val="1400"/>
+              </a:spcBef>
+              <a:spcAft>
+                <a:spcPts val="0"/>
+              </a:spcAft>
+              <a:buSzPct val="100000"/>
+            </a:pPr>
+            <a:r>
+              <a:t/>
+            </a:r>
+            <a:endParaRPr sz="2400"/>
+          </a:p>
+          <a:p>
+            <a:pPr indent="0" lvl="0" marL="0" marR="0" rtl="0" algn="l">
+              <a:lnSpc>
+                <a:spcPct val="90000"/>
+              </a:lnSpc>
+              <a:spcBef>
+                <a:spcPts val="1400"/>
+              </a:spcBef>
+              <a:spcAft>
+                <a:spcPts val="0"/>
+              </a:spcAft>
+              <a:buNone/>
+            </a:pPr>
+            <a:r>
+              <a:t/>
+            </a:r>
+            <a:endParaRPr sz="2400"/>
           </a:p>
         </p:txBody>
       </p:sp>
@@ -14985,8 +15093,8 @@
         </p:nvSpPr>
         <p:spPr>
           <a:xfrm>
-            <a:off x="1097279" y="1845733"/>
-            <a:ext cx="10058399" cy="4023360"/>
+            <a:off x="1097279" y="1865415"/>
+            <a:ext cx="10058400" cy="4023300"/>
           </a:xfrm>
           <a:prstGeom prst="rect">
             <a:avLst/>
@@ -15002,7 +15110,7 @@
           </a:bodyPr>
           <a:lstStyle/>
           <a:p>
-            <a:pPr indent="-91440" lvl="0" marL="91440" marR="0" rtl="0" algn="l">
+            <a:pPr indent="-116840" lvl="0" marL="91440" marR="0" rtl="0" algn="l">
               <a:lnSpc>
                 <a:spcPct val="90000"/>
               </a:lnSpc>
@@ -15020,7 +15128,7 @@
               <a:buChar char="•"/>
             </a:pPr>
             <a:r>
-              <a:rPr b="0" i="0" lang="de-DE" sz="2000" u="none" cap="none" strike="noStrike">
+              <a:rPr b="0" i="0" lang="de-DE" sz="2400" u="none" cap="none" strike="noStrike">
                 <a:solidFill>
                   <a:srgbClr val="3F3F3F"/>
                 </a:solidFill>
@@ -15033,12 +15141,12 @@
             </a:r>
           </a:p>
           <a:p>
-            <a:pPr indent="-91440" lvl="0" marL="91440" marR="0" rtl="0" algn="l">
-              <a:lnSpc>
-                <a:spcPct val="90000"/>
-              </a:lnSpc>
-              <a:spcBef>
-                <a:spcPts val="1400"/>
+            <a:pPr indent="-116840" lvl="0" marL="91440" marR="0" rtl="0" algn="l">
+              <a:lnSpc>
+                <a:spcPct val="90000"/>
+              </a:lnSpc>
+              <a:spcBef>
+                <a:spcPts val="0"/>
               </a:spcBef>
               <a:spcAft>
                 <a:spcPts val="0"/>
@@ -15051,7 +15159,53 @@
               <a:buChar char="•"/>
             </a:pPr>
             <a:r>
-              <a:rPr b="0" i="0" lang="de-DE" sz="2000" u="none" cap="none" strike="noStrike">
+              <a:rPr lang="de-DE" sz="2400"/>
+              <a:t>Tkinter</a:t>
+            </a:r>
+          </a:p>
+          <a:p>
+            <a:pPr indent="-116840" lvl="0" marL="91440" marR="0" rtl="0" algn="l">
+              <a:lnSpc>
+                <a:spcPct val="90000"/>
+              </a:lnSpc>
+              <a:spcBef>
+                <a:spcPts val="0"/>
+              </a:spcBef>
+              <a:spcAft>
+                <a:spcPts val="0"/>
+              </a:spcAft>
+              <a:buClr>
+                <a:schemeClr val="accent1"/>
+              </a:buClr>
+              <a:buSzPct val="100000"/>
+              <a:buFont typeface="Arial"/>
+              <a:buChar char="•"/>
+            </a:pPr>
+            <a:r>
+              <a:rPr lang="de-DE" sz="2400"/>
+              <a:t>PIL (Python imaging library)</a:t>
+            </a:r>
+          </a:p>
+          <a:p>
+            <a:pPr indent="-116840" lvl="0" marL="91440" marR="0" rtl="0" algn="l">
+              <a:lnSpc>
+                <a:spcPct val="90000"/>
+              </a:lnSpc>
+              <a:spcBef>
+                <a:spcPts val="0"/>
+              </a:spcBef>
+              <a:spcAft>
+                <a:spcPts val="0"/>
+              </a:spcAft>
+              <a:buClr>
+                <a:schemeClr val="accent1"/>
+              </a:buClr>
+              <a:buSzPct val="100000"/>
+              <a:buFont typeface="Arial"/>
+              <a:buChar char="•"/>
+            </a:pPr>
+            <a:r>
+              <a:rPr b="0" i="0" lang="de-DE" sz="2400" u="none" cap="none" strike="noStrike">
                 <a:solidFill>
                   <a:srgbClr val="3F3F3F"/>
                 </a:solidFill>
@@ -15061,6 +15215,29 @@
                 <a:sym typeface="Calibri"/>
               </a:rPr>
               <a:t>Git</a:t>
+            </a:r>
+          </a:p>
+          <a:p>
+            <a:pPr indent="-116840" lvl="0" marL="91440" marR="0" rtl="0" algn="l">
+              <a:lnSpc>
+                <a:spcPct val="90000"/>
+              </a:lnSpc>
+              <a:spcBef>
+                <a:spcPts val="0"/>
+              </a:spcBef>
+              <a:spcAft>
+                <a:spcPts val="0"/>
+              </a:spcAft>
+              <a:buClr>
+                <a:schemeClr val="accent1"/>
+              </a:buClr>
+              <a:buSzPct val="100000"/>
+              <a:buFont typeface="Arial"/>
+              <a:buChar char="•"/>
+            </a:pPr>
+            <a:r>
+              <a:rPr lang="de-DE" sz="2400"/>
+              <a:t>Sublime Text 3</a:t>
             </a:r>
           </a:p>
         </p:txBody>
@@ -15080,8 +15257,92 @@
         </p:blipFill>
         <p:spPr>
           <a:xfrm>
-            <a:off x="9240600" y="4818742"/>
-            <a:ext cx="1915080" cy="1292679"/>
+            <a:off x="8725662" y="4596017"/>
+            <a:ext cx="1915200" cy="1292700"/>
+          </a:xfrm>
+          <a:prstGeom prst="rect">
+            <a:avLst/>
+          </a:prstGeom>
+          <a:noFill/>
+          <a:ln>
+            <a:noFill/>
+          </a:ln>
+        </p:spPr>
+      </p:pic>
+      <p:pic>
+        <p:nvPicPr>
+          <p:cNvPr id="154" name="Shape 154"/>
+          <p:cNvPicPr preferRelativeResize="0"/>
+          <p:nvPr/>
+        </p:nvPicPr>
+        <p:blipFill>
+          <a:blip r:embed="rId4">
+            <a:alphaModFix/>
+          </a:blip>
+          <a:stretch>
+            <a:fillRect/>
+          </a:stretch>
+        </p:blipFill>
+        <p:spPr>
+          <a:xfrm>
+            <a:off x="8725727" y="2320738"/>
+            <a:ext cx="1915075" cy="1915075"/>
+          </a:xfrm>
+          <a:prstGeom prst="rect">
+            <a:avLst/>
+          </a:prstGeom>
+          <a:noFill/>
+          <a:ln>
+            <a:noFill/>
+          </a:ln>
+        </p:spPr>
+      </p:pic>
+      <p:pic>
+        <p:nvPicPr>
+          <p:cNvPr id="155" name="Shape 155"/>
+          <p:cNvPicPr preferRelativeResize="0"/>
+          <p:nvPr/>
+        </p:nvPicPr>
+        <p:blipFill>
+          <a:blip r:embed="rId5">
+            <a:alphaModFix/>
+          </a:blip>
+          <a:stretch>
+            <a:fillRect/>
+          </a:stretch>
+        </p:blipFill>
+        <p:spPr>
+          <a:xfrm>
+            <a:off x="5938710" y="4713484"/>
+            <a:ext cx="2538625" cy="1057775"/>
+          </a:xfrm>
+          <a:prstGeom prst="rect">
+            <a:avLst/>
+          </a:prstGeom>
+          <a:noFill/>
+          <a:ln>
+            <a:noFill/>
+          </a:ln>
+        </p:spPr>
+      </p:pic>
+      <p:pic>
+        <p:nvPicPr>
+          <p:cNvPr id="156" name="Shape 156"/>
+          <p:cNvPicPr preferRelativeResize="0"/>
+          <p:nvPr/>
+        </p:nvPicPr>
+        <p:blipFill>
+          <a:blip r:embed="rId6">
+            <a:alphaModFix/>
+          </a:blip>
+          <a:stretch>
+            <a:fillRect/>
+          </a:stretch>
+        </p:blipFill>
+        <p:spPr>
+          <a:xfrm>
+            <a:off x="6645300" y="2512971"/>
+            <a:ext cx="1832024" cy="1832049"/>
           </a:xfrm>
           <a:prstGeom prst="rect">
             <a:avLst/>
